--- a/project/최종보고서_정재민.pptx
+++ b/project/최종보고서_정재민.pptx
@@ -20,7 +20,10 @@
     <p:sldId id="276" r:id="rId14"/>
     <p:sldId id="275" r:id="rId15"/>
     <p:sldId id="277" r:id="rId16"/>
-    <p:sldId id="261" r:id="rId17"/>
+    <p:sldId id="278" r:id="rId17"/>
+    <p:sldId id="279" r:id="rId18"/>
+    <p:sldId id="280" r:id="rId19"/>
+    <p:sldId id="261" r:id="rId20"/>
   </p:sldIdLst>
   <p:sldSz cx="12192000" cy="6858000"/>
   <p:notesSz cx="6858000" cy="9144000"/>
@@ -2046,6 +2049,14 @@
         </dgm:presLayoutVars>
       </dgm:prSet>
       <dgm:spPr/>
+      <dgm:t>
+        <a:bodyPr/>
+        <a:lstStyle/>
+        <a:p>
+          <a:pPr latinLnBrk="1"/>
+          <a:endParaRPr lang="ko-KR" altLang="en-US"/>
+        </a:p>
+      </dgm:t>
     </dgm:pt>
     <dgm:pt modelId="{4C3F470F-0A22-4A2C-965C-EC24C4C2939A}" type="pres">
       <dgm:prSet presAssocID="{28926DF2-E1F9-44A1-9BD5-C97AA9BD2BC6}" presName="node" presStyleLbl="node1" presStyleIdx="0" presStyleCnt="5">
@@ -2054,14 +2065,38 @@
         </dgm:presLayoutVars>
       </dgm:prSet>
       <dgm:spPr/>
+      <dgm:t>
+        <a:bodyPr/>
+        <a:lstStyle/>
+        <a:p>
+          <a:pPr latinLnBrk="1"/>
+          <a:endParaRPr lang="ko-KR" altLang="en-US"/>
+        </a:p>
+      </dgm:t>
     </dgm:pt>
     <dgm:pt modelId="{F83425EC-F5C7-48F3-911F-5F12432A41C6}" type="pres">
       <dgm:prSet presAssocID="{B3869D92-2677-4F17-8D8D-9893265601B5}" presName="sibTrans" presStyleLbl="sibTrans2D1" presStyleIdx="0" presStyleCnt="4"/>
       <dgm:spPr/>
+      <dgm:t>
+        <a:bodyPr/>
+        <a:lstStyle/>
+        <a:p>
+          <a:pPr latinLnBrk="1"/>
+          <a:endParaRPr lang="ko-KR" altLang="en-US"/>
+        </a:p>
+      </dgm:t>
     </dgm:pt>
     <dgm:pt modelId="{69BA874A-8297-4E38-BD51-41D73E59DCAF}" type="pres">
       <dgm:prSet presAssocID="{B3869D92-2677-4F17-8D8D-9893265601B5}" presName="connectorText" presStyleLbl="sibTrans2D1" presStyleIdx="0" presStyleCnt="4"/>
       <dgm:spPr/>
+      <dgm:t>
+        <a:bodyPr/>
+        <a:lstStyle/>
+        <a:p>
+          <a:pPr latinLnBrk="1"/>
+          <a:endParaRPr lang="ko-KR" altLang="en-US"/>
+        </a:p>
+      </dgm:t>
     </dgm:pt>
     <dgm:pt modelId="{4DDD54DB-FF08-4A12-A3E5-BAE0B9E41535}" type="pres">
       <dgm:prSet presAssocID="{361C4795-E31E-43F8-B08B-C55427D9BA5A}" presName="node" presStyleLbl="node1" presStyleIdx="1" presStyleCnt="5">
@@ -2070,14 +2105,38 @@
         </dgm:presLayoutVars>
       </dgm:prSet>
       <dgm:spPr/>
+      <dgm:t>
+        <a:bodyPr/>
+        <a:lstStyle/>
+        <a:p>
+          <a:pPr latinLnBrk="1"/>
+          <a:endParaRPr lang="ko-KR" altLang="en-US"/>
+        </a:p>
+      </dgm:t>
     </dgm:pt>
     <dgm:pt modelId="{B719E690-CF10-48FE-9FB0-0A31AD238F73}" type="pres">
       <dgm:prSet presAssocID="{6D9ED5C5-DCC4-4320-BFC7-F5FD32A667FD}" presName="sibTrans" presStyleLbl="sibTrans2D1" presStyleIdx="1" presStyleCnt="4"/>
       <dgm:spPr/>
+      <dgm:t>
+        <a:bodyPr/>
+        <a:lstStyle/>
+        <a:p>
+          <a:pPr latinLnBrk="1"/>
+          <a:endParaRPr lang="ko-KR" altLang="en-US"/>
+        </a:p>
+      </dgm:t>
     </dgm:pt>
     <dgm:pt modelId="{0122AD98-BC32-410E-AA6C-607482FE25E7}" type="pres">
       <dgm:prSet presAssocID="{6D9ED5C5-DCC4-4320-BFC7-F5FD32A667FD}" presName="connectorText" presStyleLbl="sibTrans2D1" presStyleIdx="1" presStyleCnt="4"/>
       <dgm:spPr/>
+      <dgm:t>
+        <a:bodyPr/>
+        <a:lstStyle/>
+        <a:p>
+          <a:pPr latinLnBrk="1"/>
+          <a:endParaRPr lang="ko-KR" altLang="en-US"/>
+        </a:p>
+      </dgm:t>
     </dgm:pt>
     <dgm:pt modelId="{7A277A93-216A-42A3-9950-2CB924D12570}" type="pres">
       <dgm:prSet presAssocID="{5A16A600-D3F9-4F15-968C-9D7D2F8C4A21}" presName="node" presStyleLbl="node1" presStyleIdx="2" presStyleCnt="5">
@@ -2086,14 +2145,38 @@
         </dgm:presLayoutVars>
       </dgm:prSet>
       <dgm:spPr/>
+      <dgm:t>
+        <a:bodyPr/>
+        <a:lstStyle/>
+        <a:p>
+          <a:pPr latinLnBrk="1"/>
+          <a:endParaRPr lang="ko-KR" altLang="en-US"/>
+        </a:p>
+      </dgm:t>
     </dgm:pt>
     <dgm:pt modelId="{A5B457B0-DAC8-4D6D-8E17-B11B8FBDE815}" type="pres">
       <dgm:prSet presAssocID="{A8D60145-D0A9-4A8D-A237-3B36069C9A64}" presName="sibTrans" presStyleLbl="sibTrans2D1" presStyleIdx="2" presStyleCnt="4"/>
       <dgm:spPr/>
+      <dgm:t>
+        <a:bodyPr/>
+        <a:lstStyle/>
+        <a:p>
+          <a:pPr latinLnBrk="1"/>
+          <a:endParaRPr lang="ko-KR" altLang="en-US"/>
+        </a:p>
+      </dgm:t>
     </dgm:pt>
     <dgm:pt modelId="{3B5F7551-0520-4CEE-88FF-3A2A176E01AA}" type="pres">
       <dgm:prSet presAssocID="{A8D60145-D0A9-4A8D-A237-3B36069C9A64}" presName="connectorText" presStyleLbl="sibTrans2D1" presStyleIdx="2" presStyleCnt="4"/>
       <dgm:spPr/>
+      <dgm:t>
+        <a:bodyPr/>
+        <a:lstStyle/>
+        <a:p>
+          <a:pPr latinLnBrk="1"/>
+          <a:endParaRPr lang="ko-KR" altLang="en-US"/>
+        </a:p>
+      </dgm:t>
     </dgm:pt>
     <dgm:pt modelId="{881C0453-B496-448B-AAA6-7A4B7369A347}" type="pres">
       <dgm:prSet presAssocID="{E7D1B516-327D-48F8-930A-49A585E136B7}" presName="node" presStyleLbl="node1" presStyleIdx="3" presStyleCnt="5">
@@ -2102,14 +2185,38 @@
         </dgm:presLayoutVars>
       </dgm:prSet>
       <dgm:spPr/>
+      <dgm:t>
+        <a:bodyPr/>
+        <a:lstStyle/>
+        <a:p>
+          <a:pPr latinLnBrk="1"/>
+          <a:endParaRPr lang="ko-KR" altLang="en-US"/>
+        </a:p>
+      </dgm:t>
     </dgm:pt>
     <dgm:pt modelId="{2DDEAC4E-6009-48D9-B903-B91BBEB1C4C4}" type="pres">
       <dgm:prSet presAssocID="{A15E00F1-6A2E-4A19-938B-A3D9104ED62E}" presName="sibTrans" presStyleLbl="sibTrans2D1" presStyleIdx="3" presStyleCnt="4"/>
       <dgm:spPr/>
+      <dgm:t>
+        <a:bodyPr/>
+        <a:lstStyle/>
+        <a:p>
+          <a:pPr latinLnBrk="1"/>
+          <a:endParaRPr lang="ko-KR" altLang="en-US"/>
+        </a:p>
+      </dgm:t>
     </dgm:pt>
     <dgm:pt modelId="{CEF201F5-1D84-415B-AFE7-A42A3FBD95B3}" type="pres">
       <dgm:prSet presAssocID="{A15E00F1-6A2E-4A19-938B-A3D9104ED62E}" presName="connectorText" presStyleLbl="sibTrans2D1" presStyleIdx="3" presStyleCnt="4"/>
       <dgm:spPr/>
+      <dgm:t>
+        <a:bodyPr/>
+        <a:lstStyle/>
+        <a:p>
+          <a:pPr latinLnBrk="1"/>
+          <a:endParaRPr lang="ko-KR" altLang="en-US"/>
+        </a:p>
+      </dgm:t>
     </dgm:pt>
     <dgm:pt modelId="{66F3F75F-23BD-4D50-89F6-E9F63B0489E3}" type="pres">
       <dgm:prSet presAssocID="{A64DE265-A870-4DC5-8DD3-1218A6967ACE}" presName="node" presStyleLbl="node1" presStyleIdx="4" presStyleCnt="5">
@@ -2118,28 +2225,36 @@
         </dgm:presLayoutVars>
       </dgm:prSet>
       <dgm:spPr/>
+      <dgm:t>
+        <a:bodyPr/>
+        <a:lstStyle/>
+        <a:p>
+          <a:pPr latinLnBrk="1"/>
+          <a:endParaRPr lang="ko-KR" altLang="en-US"/>
+        </a:p>
+      </dgm:t>
     </dgm:pt>
   </dgm:ptLst>
   <dgm:cxnLst>
+    <dgm:cxn modelId="{392BD771-E60C-4ABB-86B3-AE62DDC2A524}" type="presOf" srcId="{28926DF2-E1F9-44A1-9BD5-C97AA9BD2BC6}" destId="{4C3F470F-0A22-4A2C-965C-EC24C4C2939A}" srcOrd="0" destOrd="0" presId="urn:microsoft.com/office/officeart/2005/8/layout/process1"/>
+    <dgm:cxn modelId="{351EF46D-879C-4A7D-BE7D-1CFCB1787A0E}" srcId="{0E8941DD-687A-47D6-AFA9-0E2668C66CC8}" destId="{A64DE265-A870-4DC5-8DD3-1218A6967ACE}" srcOrd="4" destOrd="0" parTransId="{055DB499-0851-4E9C-975B-8B34453EA75A}" sibTransId="{799D55F2-F66B-4D10-9923-D64ABB718ECA}"/>
+    <dgm:cxn modelId="{6531F16F-8A79-425D-8B2A-06FF3B14ABED}" srcId="{0E8941DD-687A-47D6-AFA9-0E2668C66CC8}" destId="{5A16A600-D3F9-4F15-968C-9D7D2F8C4A21}" srcOrd="2" destOrd="0" parTransId="{630526BE-2399-41E6-94C3-1D3A31709E93}" sibTransId="{A8D60145-D0A9-4A8D-A237-3B36069C9A64}"/>
+    <dgm:cxn modelId="{3DA4E149-DF15-470B-8C7A-4C46DBD4A907}" srcId="{0E8941DD-687A-47D6-AFA9-0E2668C66CC8}" destId="{E7D1B516-327D-48F8-930A-49A585E136B7}" srcOrd="3" destOrd="0" parTransId="{25EFC126-BC0E-4121-87A0-66247DB36CAB}" sibTransId="{A15E00F1-6A2E-4A19-938B-A3D9104ED62E}"/>
+    <dgm:cxn modelId="{E95C4762-797A-40A3-9398-86D3F5A1ED34}" type="presOf" srcId="{0E8941DD-687A-47D6-AFA9-0E2668C66CC8}" destId="{7A350124-AAA8-4A6C-994A-4F55F488422D}" srcOrd="0" destOrd="0" presId="urn:microsoft.com/office/officeart/2005/8/layout/process1"/>
+    <dgm:cxn modelId="{9E9101DD-7DD6-4913-95F6-9519CAE67E55}" type="presOf" srcId="{B3869D92-2677-4F17-8D8D-9893265601B5}" destId="{69BA874A-8297-4E38-BD51-41D73E59DCAF}" srcOrd="1" destOrd="0" presId="urn:microsoft.com/office/officeart/2005/8/layout/process1"/>
+    <dgm:cxn modelId="{834FFB7F-3812-45BB-BA83-899A7940FEC3}" srcId="{0E8941DD-687A-47D6-AFA9-0E2668C66CC8}" destId="{28926DF2-E1F9-44A1-9BD5-C97AA9BD2BC6}" srcOrd="0" destOrd="0" parTransId="{E80047BD-56C9-40B4-95EC-7AD642514FBE}" sibTransId="{B3869D92-2677-4F17-8D8D-9893265601B5}"/>
+    <dgm:cxn modelId="{8C970266-CD4B-46CF-8AEA-62BA6116F2FB}" type="presOf" srcId="{B3869D92-2677-4F17-8D8D-9893265601B5}" destId="{F83425EC-F5C7-48F3-911F-5F12432A41C6}" srcOrd="0" destOrd="0" presId="urn:microsoft.com/office/officeart/2005/8/layout/process1"/>
+    <dgm:cxn modelId="{14857C96-A042-4589-AFA0-B171DF8CC37B}" type="presOf" srcId="{6D9ED5C5-DCC4-4320-BFC7-F5FD32A667FD}" destId="{B719E690-CF10-48FE-9FB0-0A31AD238F73}" srcOrd="0" destOrd="0" presId="urn:microsoft.com/office/officeart/2005/8/layout/process1"/>
+    <dgm:cxn modelId="{03C3872F-FE2E-452A-9AFC-9770CCFA0287}" type="presOf" srcId="{6D9ED5C5-DCC4-4320-BFC7-F5FD32A667FD}" destId="{0122AD98-BC32-410E-AA6C-607482FE25E7}" srcOrd="1" destOrd="0" presId="urn:microsoft.com/office/officeart/2005/8/layout/process1"/>
+    <dgm:cxn modelId="{DD84805F-FCDE-4A7F-9C5E-952A549218B5}" type="presOf" srcId="{A15E00F1-6A2E-4A19-938B-A3D9104ED62E}" destId="{2DDEAC4E-6009-48D9-B903-B91BBEB1C4C4}" srcOrd="0" destOrd="0" presId="urn:microsoft.com/office/officeart/2005/8/layout/process1"/>
+    <dgm:cxn modelId="{FB4C8232-DDBB-4220-BE30-44E95738DA9A}" type="presOf" srcId="{A8D60145-D0A9-4A8D-A237-3B36069C9A64}" destId="{3B5F7551-0520-4CEE-88FF-3A2A176E01AA}" srcOrd="1" destOrd="0" presId="urn:microsoft.com/office/officeart/2005/8/layout/process1"/>
+    <dgm:cxn modelId="{C1631B14-C7C1-47BA-8FBC-F463C0D24CAB}" type="presOf" srcId="{361C4795-E31E-43F8-B08B-C55427D9BA5A}" destId="{4DDD54DB-FF08-4A12-A3E5-BAE0B9E41535}" srcOrd="0" destOrd="0" presId="urn:microsoft.com/office/officeart/2005/8/layout/process1"/>
     <dgm:cxn modelId="{6B3D0B10-40E8-4C54-A952-349F11E4862F}" type="presOf" srcId="{5A16A600-D3F9-4F15-968C-9D7D2F8C4A21}" destId="{7A277A93-216A-42A3-9950-2CB924D12570}" srcOrd="0" destOrd="0" presId="urn:microsoft.com/office/officeart/2005/8/layout/process1"/>
-    <dgm:cxn modelId="{C1631B14-C7C1-47BA-8FBC-F463C0D24CAB}" type="presOf" srcId="{361C4795-E31E-43F8-B08B-C55427D9BA5A}" destId="{4DDD54DB-FF08-4A12-A3E5-BAE0B9E41535}" srcOrd="0" destOrd="0" presId="urn:microsoft.com/office/officeart/2005/8/layout/process1"/>
     <dgm:cxn modelId="{573FBA1B-7E60-44E4-A050-E4225B6D9EAC}" type="presOf" srcId="{A8D60145-D0A9-4A8D-A237-3B36069C9A64}" destId="{A5B457B0-DAC8-4D6D-8E17-B11B8FBDE815}" srcOrd="0" destOrd="0" presId="urn:microsoft.com/office/officeart/2005/8/layout/process1"/>
-    <dgm:cxn modelId="{03C3872F-FE2E-452A-9AFC-9770CCFA0287}" type="presOf" srcId="{6D9ED5C5-DCC4-4320-BFC7-F5FD32A667FD}" destId="{0122AD98-BC32-410E-AA6C-607482FE25E7}" srcOrd="1" destOrd="0" presId="urn:microsoft.com/office/officeart/2005/8/layout/process1"/>
-    <dgm:cxn modelId="{FB4C8232-DDBB-4220-BE30-44E95738DA9A}" type="presOf" srcId="{A8D60145-D0A9-4A8D-A237-3B36069C9A64}" destId="{3B5F7551-0520-4CEE-88FF-3A2A176E01AA}" srcOrd="1" destOrd="0" presId="urn:microsoft.com/office/officeart/2005/8/layout/process1"/>
+    <dgm:cxn modelId="{D4A81CA5-A9FF-4F34-9D9A-94D8F64193A8}" type="presOf" srcId="{E7D1B516-327D-48F8-930A-49A585E136B7}" destId="{881C0453-B496-448B-AAA6-7A4B7369A347}" srcOrd="0" destOrd="0" presId="urn:microsoft.com/office/officeart/2005/8/layout/process1"/>
+    <dgm:cxn modelId="{90660FFB-B25B-420D-B982-6FDE51952396}" srcId="{0E8941DD-687A-47D6-AFA9-0E2668C66CC8}" destId="{361C4795-E31E-43F8-B08B-C55427D9BA5A}" srcOrd="1" destOrd="0" parTransId="{D85BFDFE-F5B7-4FC5-96F4-471600D8ABA1}" sibTransId="{6D9ED5C5-DCC4-4320-BFC7-F5FD32A667FD}"/>
+    <dgm:cxn modelId="{5C53F74D-5712-4146-B720-D34CA68BA98F}" type="presOf" srcId="{A64DE265-A870-4DC5-8DD3-1218A6967ACE}" destId="{66F3F75F-23BD-4D50-89F6-E9F63B0489E3}" srcOrd="0" destOrd="0" presId="urn:microsoft.com/office/officeart/2005/8/layout/process1"/>
     <dgm:cxn modelId="{0C825934-4960-4E37-ACB4-6A93A02CE1EE}" type="presOf" srcId="{A15E00F1-6A2E-4A19-938B-A3D9104ED62E}" destId="{CEF201F5-1D84-415B-AFE7-A42A3FBD95B3}" srcOrd="1" destOrd="0" presId="urn:microsoft.com/office/officeart/2005/8/layout/process1"/>
-    <dgm:cxn modelId="{DD84805F-FCDE-4A7F-9C5E-952A549218B5}" type="presOf" srcId="{A15E00F1-6A2E-4A19-938B-A3D9104ED62E}" destId="{2DDEAC4E-6009-48D9-B903-B91BBEB1C4C4}" srcOrd="0" destOrd="0" presId="urn:microsoft.com/office/officeart/2005/8/layout/process1"/>
-    <dgm:cxn modelId="{E95C4762-797A-40A3-9398-86D3F5A1ED34}" type="presOf" srcId="{0E8941DD-687A-47D6-AFA9-0E2668C66CC8}" destId="{7A350124-AAA8-4A6C-994A-4F55F488422D}" srcOrd="0" destOrd="0" presId="urn:microsoft.com/office/officeart/2005/8/layout/process1"/>
-    <dgm:cxn modelId="{8C970266-CD4B-46CF-8AEA-62BA6116F2FB}" type="presOf" srcId="{B3869D92-2677-4F17-8D8D-9893265601B5}" destId="{F83425EC-F5C7-48F3-911F-5F12432A41C6}" srcOrd="0" destOrd="0" presId="urn:microsoft.com/office/officeart/2005/8/layout/process1"/>
-    <dgm:cxn modelId="{3DA4E149-DF15-470B-8C7A-4C46DBD4A907}" srcId="{0E8941DD-687A-47D6-AFA9-0E2668C66CC8}" destId="{E7D1B516-327D-48F8-930A-49A585E136B7}" srcOrd="3" destOrd="0" parTransId="{25EFC126-BC0E-4121-87A0-66247DB36CAB}" sibTransId="{A15E00F1-6A2E-4A19-938B-A3D9104ED62E}"/>
-    <dgm:cxn modelId="{351EF46D-879C-4A7D-BE7D-1CFCB1787A0E}" srcId="{0E8941DD-687A-47D6-AFA9-0E2668C66CC8}" destId="{A64DE265-A870-4DC5-8DD3-1218A6967ACE}" srcOrd="4" destOrd="0" parTransId="{055DB499-0851-4E9C-975B-8B34453EA75A}" sibTransId="{799D55F2-F66B-4D10-9923-D64ABB718ECA}"/>
-    <dgm:cxn modelId="{5C53F74D-5712-4146-B720-D34CA68BA98F}" type="presOf" srcId="{A64DE265-A870-4DC5-8DD3-1218A6967ACE}" destId="{66F3F75F-23BD-4D50-89F6-E9F63B0489E3}" srcOrd="0" destOrd="0" presId="urn:microsoft.com/office/officeart/2005/8/layout/process1"/>
-    <dgm:cxn modelId="{6531F16F-8A79-425D-8B2A-06FF3B14ABED}" srcId="{0E8941DD-687A-47D6-AFA9-0E2668C66CC8}" destId="{5A16A600-D3F9-4F15-968C-9D7D2F8C4A21}" srcOrd="2" destOrd="0" parTransId="{630526BE-2399-41E6-94C3-1D3A31709E93}" sibTransId="{A8D60145-D0A9-4A8D-A237-3B36069C9A64}"/>
-    <dgm:cxn modelId="{392BD771-E60C-4ABB-86B3-AE62DDC2A524}" type="presOf" srcId="{28926DF2-E1F9-44A1-9BD5-C97AA9BD2BC6}" destId="{4C3F470F-0A22-4A2C-965C-EC24C4C2939A}" srcOrd="0" destOrd="0" presId="urn:microsoft.com/office/officeart/2005/8/layout/process1"/>
-    <dgm:cxn modelId="{834FFB7F-3812-45BB-BA83-899A7940FEC3}" srcId="{0E8941DD-687A-47D6-AFA9-0E2668C66CC8}" destId="{28926DF2-E1F9-44A1-9BD5-C97AA9BD2BC6}" srcOrd="0" destOrd="0" parTransId="{E80047BD-56C9-40B4-95EC-7AD642514FBE}" sibTransId="{B3869D92-2677-4F17-8D8D-9893265601B5}"/>
-    <dgm:cxn modelId="{14857C96-A042-4589-AFA0-B171DF8CC37B}" type="presOf" srcId="{6D9ED5C5-DCC4-4320-BFC7-F5FD32A667FD}" destId="{B719E690-CF10-48FE-9FB0-0A31AD238F73}" srcOrd="0" destOrd="0" presId="urn:microsoft.com/office/officeart/2005/8/layout/process1"/>
-    <dgm:cxn modelId="{D4A81CA5-A9FF-4F34-9D9A-94D8F64193A8}" type="presOf" srcId="{E7D1B516-327D-48F8-930A-49A585E136B7}" destId="{881C0453-B496-448B-AAA6-7A4B7369A347}" srcOrd="0" destOrd="0" presId="urn:microsoft.com/office/officeart/2005/8/layout/process1"/>
-    <dgm:cxn modelId="{9E9101DD-7DD6-4913-95F6-9519CAE67E55}" type="presOf" srcId="{B3869D92-2677-4F17-8D8D-9893265601B5}" destId="{69BA874A-8297-4E38-BD51-41D73E59DCAF}" srcOrd="1" destOrd="0" presId="urn:microsoft.com/office/officeart/2005/8/layout/process1"/>
-    <dgm:cxn modelId="{90660FFB-B25B-420D-B982-6FDE51952396}" srcId="{0E8941DD-687A-47D6-AFA9-0E2668C66CC8}" destId="{361C4795-E31E-43F8-B08B-C55427D9BA5A}" srcOrd="1" destOrd="0" parTransId="{D85BFDFE-F5B7-4FC5-96F4-471600D8ABA1}" sibTransId="{6D9ED5C5-DCC4-4320-BFC7-F5FD32A667FD}"/>
     <dgm:cxn modelId="{BF91766C-2C93-4255-8177-383255F40CD6}" type="presParOf" srcId="{7A350124-AAA8-4A6C-994A-4F55F488422D}" destId="{4C3F470F-0A22-4A2C-965C-EC24C4C2939A}" srcOrd="0" destOrd="0" presId="urn:microsoft.com/office/officeart/2005/8/layout/process1"/>
     <dgm:cxn modelId="{72494356-592E-410B-BC7E-0CB79390AEC2}" type="presParOf" srcId="{7A350124-AAA8-4A6C-994A-4F55F488422D}" destId="{F83425EC-F5C7-48F3-911F-5F12432A41C6}" srcOrd="1" destOrd="0" presId="urn:microsoft.com/office/officeart/2005/8/layout/process1"/>
     <dgm:cxn modelId="{3A58B68B-5F17-48AD-9CD5-25C7AD82FB64}" type="presParOf" srcId="{F83425EC-F5C7-48F3-911F-5F12432A41C6}" destId="{69BA874A-8297-4E38-BD51-41D73E59DCAF}" srcOrd="0" destOrd="0" presId="urn:microsoft.com/office/officeart/2005/8/layout/process1"/>
@@ -2262,6 +2377,14 @@
         </dgm:presLayoutVars>
       </dgm:prSet>
       <dgm:spPr/>
+      <dgm:t>
+        <a:bodyPr/>
+        <a:lstStyle/>
+        <a:p>
+          <a:pPr latinLnBrk="1"/>
+          <a:endParaRPr lang="ko-KR" altLang="en-US"/>
+        </a:p>
+      </dgm:t>
     </dgm:pt>
     <dgm:pt modelId="{E11560D6-DBAC-4BAC-9B1A-8545F52156E0}" type="pres">
       <dgm:prSet presAssocID="{377A37A6-8DDC-4996-BFFE-59E1A7FEC9AA}" presName="compNode" presStyleCnt="0"/>
@@ -2275,13 +2398,13 @@
       <dgm:prSet presAssocID="{377A37A6-8DDC-4996-BFFE-59E1A7FEC9AA}" presName="iconRect" presStyleLbl="node1" presStyleIdx="0" presStyleCnt="2"/>
       <dgm:spPr>
         <a:blipFill>
-          <a:blip xmlns:r="http://schemas.openxmlformats.org/officeDocument/2006/relationships" r:embed="rId1">
+          <a:blip xmlns:r="http://schemas.openxmlformats.org/officeDocument/2006/relationships" r:embed="rId1" cstate="print">
             <a:extLst>
               <a:ext uri="{28A0092B-C50C-407E-A947-70E740481C1C}">
                 <a14:useLocalDpi xmlns:a14="http://schemas.microsoft.com/office/drawing/2010/main" val="0"/>
               </a:ext>
               <a:ext uri="{96DAC541-7B7A-43D3-8B79-37D633B846F1}">
-                <asvg:svgBlip xmlns:asvg="http://schemas.microsoft.com/office/drawing/2016/SVG/main" r:embed="rId2"/>
+                <asvg:svgBlip xmlns:asvg="http://schemas.microsoft.com/office/drawing/2016/SVG/main" xmlns="" r:embed="rId2"/>
               </a:ext>
             </a:extLst>
           </a:blip>
@@ -2293,6 +2416,14 @@
           <a:noFill/>
         </a:ln>
       </dgm:spPr>
+      <dgm:t>
+        <a:bodyPr/>
+        <a:lstStyle/>
+        <a:p>
+          <a:pPr latinLnBrk="1"/>
+          <a:endParaRPr lang="ko-KR" altLang="en-US"/>
+        </a:p>
+      </dgm:t>
       <dgm:extLst>
         <a:ext uri="{E40237B7-FDA0-4F09-8148-C483321AD2D9}">
           <dgm14:cNvPr xmlns:dgm14="http://schemas.microsoft.com/office/drawing/2010/diagram" id="0" name="" descr="Glue"/>
@@ -2311,6 +2442,14 @@
         </dgm:presLayoutVars>
       </dgm:prSet>
       <dgm:spPr/>
+      <dgm:t>
+        <a:bodyPr/>
+        <a:lstStyle/>
+        <a:p>
+          <a:pPr latinLnBrk="1"/>
+          <a:endParaRPr lang="ko-KR" altLang="en-US"/>
+        </a:p>
+      </dgm:t>
     </dgm:pt>
     <dgm:pt modelId="{E72D1244-D57C-4DDE-88FC-215E50E5691D}" type="pres">
       <dgm:prSet presAssocID="{B74B12AF-13B9-498D-81BF-3BF4916E6756}" presName="sibTrans" presStyleCnt="0"/>
@@ -2334,7 +2473,7 @@
                 <a14:useLocalDpi xmlns:a14="http://schemas.microsoft.com/office/drawing/2010/main" val="0"/>
               </a:ext>
               <a:ext uri="{96DAC541-7B7A-43D3-8B79-37D633B846F1}">
-                <asvg:svgBlip xmlns:asvg="http://schemas.microsoft.com/office/drawing/2016/SVG/main" r:embed="rId4"/>
+                <asvg:svgBlip xmlns:asvg="http://schemas.microsoft.com/office/drawing/2016/SVG/main" xmlns="" r:embed="rId4"/>
               </a:ext>
             </a:extLst>
           </a:blip>
@@ -2346,6 +2485,14 @@
           <a:noFill/>
         </a:ln>
       </dgm:spPr>
+      <dgm:t>
+        <a:bodyPr/>
+        <a:lstStyle/>
+        <a:p>
+          <a:pPr latinLnBrk="1"/>
+          <a:endParaRPr lang="ko-KR" altLang="en-US"/>
+        </a:p>
+      </dgm:t>
       <dgm:extLst>
         <a:ext uri="{E40237B7-FDA0-4F09-8148-C483321AD2D9}">
           <dgm14:cNvPr xmlns:dgm14="http://schemas.microsoft.com/office/drawing/2010/diagram" id="0" name="" descr="Firecracker"/>
@@ -2364,14 +2511,22 @@
         </dgm:presLayoutVars>
       </dgm:prSet>
       <dgm:spPr/>
+      <dgm:t>
+        <a:bodyPr/>
+        <a:lstStyle/>
+        <a:p>
+          <a:pPr latinLnBrk="1"/>
+          <a:endParaRPr lang="ko-KR" altLang="en-US"/>
+        </a:p>
+      </dgm:t>
     </dgm:pt>
   </dgm:ptLst>
   <dgm:cxnLst>
-    <dgm:cxn modelId="{3E142D15-6C5B-4635-A73E-BCEC0464E8AC}" type="presOf" srcId="{377A37A6-8DDC-4996-BFFE-59E1A7FEC9AA}" destId="{A96D1388-0CB6-4DAC-AF2D-4C30DDEA02B6}" srcOrd="0" destOrd="0" presId="urn:microsoft.com/office/officeart/2018/2/layout/IconVerticalSolidList"/>
+    <dgm:cxn modelId="{CB9E0BC2-04FC-473D-86C0-B413A9934B27}" srcId="{A7593B2E-A877-4766-9CB1-061A7C7243B2}" destId="{377A37A6-8DDC-4996-BFFE-59E1A7FEC9AA}" srcOrd="0" destOrd="0" parTransId="{3E0A9798-4E88-43B5-B95A-B7FD19AD4E18}" sibTransId="{B74B12AF-13B9-498D-81BF-3BF4916E6756}"/>
+    <dgm:cxn modelId="{B9C681CE-9A97-43EC-B022-F4F31C84EC68}" type="presOf" srcId="{0E283B9A-7E0D-4498-80E8-3E3109247164}" destId="{086451FF-B011-4AB6-9C16-0959FCD902C2}" srcOrd="0" destOrd="0" presId="urn:microsoft.com/office/officeart/2018/2/layout/IconVerticalSolidList"/>
     <dgm:cxn modelId="{07D5F592-B0A2-45B1-96E4-69B52A8F1563}" type="presOf" srcId="{A7593B2E-A877-4766-9CB1-061A7C7243B2}" destId="{84B3E2EE-D72F-4A85-99DF-F0BC39A77A81}" srcOrd="0" destOrd="0" presId="urn:microsoft.com/office/officeart/2018/2/layout/IconVerticalSolidList"/>
     <dgm:cxn modelId="{A126A3AD-B447-4373-AA95-71E8F7544D59}" srcId="{A7593B2E-A877-4766-9CB1-061A7C7243B2}" destId="{0E283B9A-7E0D-4498-80E8-3E3109247164}" srcOrd="1" destOrd="0" parTransId="{93944852-57A5-4F2E-A111-29B84B42F465}" sibTransId="{207CA6D0-3B67-4BC4-A4EE-F2256B11DDC9}"/>
-    <dgm:cxn modelId="{CB9E0BC2-04FC-473D-86C0-B413A9934B27}" srcId="{A7593B2E-A877-4766-9CB1-061A7C7243B2}" destId="{377A37A6-8DDC-4996-BFFE-59E1A7FEC9AA}" srcOrd="0" destOrd="0" parTransId="{3E0A9798-4E88-43B5-B95A-B7FD19AD4E18}" sibTransId="{B74B12AF-13B9-498D-81BF-3BF4916E6756}"/>
-    <dgm:cxn modelId="{B9C681CE-9A97-43EC-B022-F4F31C84EC68}" type="presOf" srcId="{0E283B9A-7E0D-4498-80E8-3E3109247164}" destId="{086451FF-B011-4AB6-9C16-0959FCD902C2}" srcOrd="0" destOrd="0" presId="urn:microsoft.com/office/officeart/2018/2/layout/IconVerticalSolidList"/>
+    <dgm:cxn modelId="{3E142D15-6C5B-4635-A73E-BCEC0464E8AC}" type="presOf" srcId="{377A37A6-8DDC-4996-BFFE-59E1A7FEC9AA}" destId="{A96D1388-0CB6-4DAC-AF2D-4C30DDEA02B6}" srcOrd="0" destOrd="0" presId="urn:microsoft.com/office/officeart/2018/2/layout/IconVerticalSolidList"/>
     <dgm:cxn modelId="{6989EDF3-EC90-4A80-AF4F-AFDFC2B622A6}" type="presParOf" srcId="{84B3E2EE-D72F-4A85-99DF-F0BC39A77A81}" destId="{E11560D6-DBAC-4BAC-9B1A-8545F52156E0}" srcOrd="0" destOrd="0" presId="urn:microsoft.com/office/officeart/2018/2/layout/IconVerticalSolidList"/>
     <dgm:cxn modelId="{2974AD18-9E55-4374-8D40-74ABB2358EC3}" type="presParOf" srcId="{E11560D6-DBAC-4BAC-9B1A-8545F52156E0}" destId="{1CAF256C-53EA-4092-A2E3-1D708AB7DDC5}" srcOrd="0" destOrd="0" presId="urn:microsoft.com/office/officeart/2018/2/layout/IconVerticalSolidList"/>
     <dgm:cxn modelId="{374F0A1C-8E4C-4696-AD95-04579D9C6C18}" type="presParOf" srcId="{E11560D6-DBAC-4BAC-9B1A-8545F52156E0}" destId="{ACD61A51-E940-486C-B656-1E7A8CF401E9}" srcOrd="1" destOrd="0" presId="urn:microsoft.com/office/officeart/2018/2/layout/IconVerticalSolidList"/>
@@ -2459,7 +2614,7 @@
         </a:bodyPr>
         <a:lstStyle/>
         <a:p>
-          <a:pPr marL="0" lvl="0" indent="0" algn="ctr" defTabSz="1022350">
+          <a:pPr lvl="0" algn="ctr" defTabSz="1022350">
             <a:lnSpc>
               <a:spcPct val="90000"/>
             </a:lnSpc>
@@ -2469,7 +2624,6 @@
             <a:spcAft>
               <a:spcPct val="35000"/>
             </a:spcAft>
-            <a:buNone/>
           </a:pPr>
           <a:r>
             <a:rPr lang="ko-KR" altLang="en-US" sz="2300" kern="1200" dirty="0"/>
@@ -2532,7 +2686,7 @@
         </a:bodyPr>
         <a:lstStyle/>
         <a:p>
-          <a:pPr marL="0" lvl="0" indent="0" algn="ctr" defTabSz="488950">
+          <a:pPr lvl="0" algn="ctr" defTabSz="488950">
             <a:lnSpc>
               <a:spcPct val="90000"/>
             </a:lnSpc>
@@ -2542,7 +2696,6 @@
             <a:spcAft>
               <a:spcPct val="35000"/>
             </a:spcAft>
-            <a:buNone/>
           </a:pPr>
           <a:endParaRPr lang="en-US" sz="1100" kern="1200"/>
         </a:p>
@@ -2609,7 +2762,7 @@
         </a:bodyPr>
         <a:lstStyle/>
         <a:p>
-          <a:pPr marL="0" lvl="0" indent="0" algn="ctr" defTabSz="1022350">
+          <a:pPr lvl="0" algn="ctr" defTabSz="1022350">
             <a:lnSpc>
               <a:spcPct val="90000"/>
             </a:lnSpc>
@@ -2619,7 +2772,6 @@
             <a:spcAft>
               <a:spcPct val="35000"/>
             </a:spcAft>
-            <a:buNone/>
           </a:pPr>
           <a:r>
             <a:rPr lang="en-US" sz="2300" kern="1200" dirty="0"/>
@@ -2690,7 +2842,7 @@
         </a:bodyPr>
         <a:lstStyle/>
         <a:p>
-          <a:pPr marL="0" lvl="0" indent="0" algn="ctr" defTabSz="488950" latinLnBrk="1">
+          <a:pPr lvl="0" algn="ctr" defTabSz="488950" latinLnBrk="1">
             <a:lnSpc>
               <a:spcPct val="90000"/>
             </a:lnSpc>
@@ -2700,7 +2852,6 @@
             <a:spcAft>
               <a:spcPct val="35000"/>
             </a:spcAft>
-            <a:buNone/>
           </a:pPr>
           <a:endParaRPr lang="ko-KR" altLang="en-US" sz="1100" kern="1200"/>
         </a:p>
@@ -2767,7 +2918,7 @@
         </a:bodyPr>
         <a:lstStyle/>
         <a:p>
-          <a:pPr marL="0" lvl="0" indent="0" algn="ctr" defTabSz="1022350">
+          <a:pPr lvl="0" algn="ctr" defTabSz="1022350">
             <a:lnSpc>
               <a:spcPct val="90000"/>
             </a:lnSpc>
@@ -2777,7 +2928,6 @@
             <a:spcAft>
               <a:spcPct val="35000"/>
             </a:spcAft>
-            <a:buNone/>
           </a:pPr>
           <a:r>
             <a:rPr lang="ko-KR" altLang="en-US" sz="2300" kern="1200" dirty="0"/>
@@ -2840,7 +2990,7 @@
         </a:bodyPr>
         <a:lstStyle/>
         <a:p>
-          <a:pPr marL="0" lvl="0" indent="0" algn="ctr" defTabSz="488950">
+          <a:pPr lvl="0" algn="ctr" defTabSz="488950">
             <a:lnSpc>
               <a:spcPct val="90000"/>
             </a:lnSpc>
@@ -2850,7 +3000,6 @@
             <a:spcAft>
               <a:spcPct val="35000"/>
             </a:spcAft>
-            <a:buNone/>
           </a:pPr>
           <a:endParaRPr lang="en-US" sz="1100" kern="1200"/>
         </a:p>
@@ -2917,7 +3066,7 @@
         </a:bodyPr>
         <a:lstStyle/>
         <a:p>
-          <a:pPr marL="0" lvl="0" indent="0" algn="ctr" defTabSz="1022350">
+          <a:pPr lvl="0" algn="ctr" defTabSz="1022350">
             <a:lnSpc>
               <a:spcPct val="90000"/>
             </a:lnSpc>
@@ -2927,7 +3076,6 @@
             <a:spcAft>
               <a:spcPct val="35000"/>
             </a:spcAft>
-            <a:buNone/>
           </a:pPr>
           <a:r>
             <a:rPr lang="ko-KR" altLang="en-US" sz="2300" kern="1200" dirty="0"/>
@@ -2990,7 +3138,7 @@
         </a:bodyPr>
         <a:lstStyle/>
         <a:p>
-          <a:pPr marL="0" lvl="0" indent="0" algn="ctr" defTabSz="488950">
+          <a:pPr lvl="0" algn="ctr" defTabSz="488950">
             <a:lnSpc>
               <a:spcPct val="90000"/>
             </a:lnSpc>
@@ -3000,7 +3148,6 @@
             <a:spcAft>
               <a:spcPct val="35000"/>
             </a:spcAft>
-            <a:buNone/>
           </a:pPr>
           <a:endParaRPr lang="en-US" sz="1100" kern="1200"/>
         </a:p>
@@ -3067,7 +3214,7 @@
         </a:bodyPr>
         <a:lstStyle/>
         <a:p>
-          <a:pPr marL="0" lvl="0" indent="0" algn="ctr" defTabSz="1022350">
+          <a:pPr lvl="0" algn="ctr" defTabSz="1022350">
             <a:lnSpc>
               <a:spcPct val="90000"/>
             </a:lnSpc>
@@ -3077,7 +3224,6 @@
             <a:spcAft>
               <a:spcPct val="35000"/>
             </a:spcAft>
-            <a:buNone/>
           </a:pPr>
           <a:r>
             <a:rPr lang="en-US" sz="2300" kern="1200" dirty="0"/>
@@ -3158,13 +3304,13 @@
           <a:avLst/>
         </a:prstGeom>
         <a:blipFill>
-          <a:blip xmlns:r="http://schemas.openxmlformats.org/officeDocument/2006/relationships" r:embed="rId1">
+          <a:blip xmlns:r="http://schemas.openxmlformats.org/officeDocument/2006/relationships" r:embed="rId1" cstate="print">
             <a:extLst>
               <a:ext uri="{28A0092B-C50C-407E-A947-70E740481C1C}">
                 <a14:useLocalDpi xmlns:a14="http://schemas.microsoft.com/office/drawing/2010/main" val="0"/>
               </a:ext>
               <a:ext uri="{96DAC541-7B7A-43D3-8B79-37D633B846F1}">
-                <asvg:svgBlip xmlns:asvg="http://schemas.microsoft.com/office/drawing/2016/SVG/main" r:embed="rId2"/>
+                <asvg:svgBlip xmlns:asvg="http://schemas.microsoft.com/office/drawing/2016/SVG/main" xmlns="" r:embed="rId2"/>
               </a:ext>
             </a:extLst>
           </a:blip>
@@ -3231,7 +3377,7 @@
         </a:bodyPr>
         <a:lstStyle/>
         <a:p>
-          <a:pPr marL="0" lvl="0" indent="0" algn="l" defTabSz="1111250">
+          <a:pPr lvl="0" algn="l" defTabSz="1111250">
             <a:lnSpc>
               <a:spcPct val="90000"/>
             </a:lnSpc>
@@ -3241,7 +3387,6 @@
             <a:spcAft>
               <a:spcPct val="35000"/>
             </a:spcAft>
-            <a:buNone/>
           </a:pPr>
           <a:r>
             <a:rPr lang="en-US" sz="2500" kern="1200" dirty="0" err="1"/>
@@ -3320,7 +3465,7 @@
                 <a14:useLocalDpi xmlns:a14="http://schemas.microsoft.com/office/drawing/2010/main" val="0"/>
               </a:ext>
               <a:ext uri="{96DAC541-7B7A-43D3-8B79-37D633B846F1}">
-                <asvg:svgBlip xmlns:asvg="http://schemas.microsoft.com/office/drawing/2016/SVG/main" r:embed="rId4"/>
+                <asvg:svgBlip xmlns:asvg="http://schemas.microsoft.com/office/drawing/2016/SVG/main" xmlns="" r:embed="rId4"/>
               </a:ext>
             </a:extLst>
           </a:blip>
@@ -3387,7 +3532,7 @@
         </a:bodyPr>
         <a:lstStyle/>
         <a:p>
-          <a:pPr marL="0" lvl="0" indent="0" algn="l" defTabSz="1111250">
+          <a:pPr lvl="0" algn="l" defTabSz="1111250">
             <a:lnSpc>
               <a:spcPct val="90000"/>
             </a:lnSpc>
@@ -3397,7 +3542,6 @@
             <a:spcAft>
               <a:spcPct val="35000"/>
             </a:spcAft>
-            <a:buNone/>
           </a:pPr>
           <a:r>
             <a:rPr lang="en-US" sz="2500" kern="1200" dirty="0"/>
@@ -3837,7 +3981,7 @@
   </dgm:layoutNode>
   <dgm:extLst>
     <a:ext uri="{68A01E43-0DF5-4B5B-8FA6-DAF915123BFB}">
-      <dgm1612:lstStyle xmlns:dgm1612="http://schemas.microsoft.com/office/drawing/2016/12/diagram">
+      <dgm1612:lstStyle xmlns:dgm1612="http://schemas.microsoft.com/office/drawing/2016/12/diagram" xmlns="">
         <a:lvl1pPr>
           <a:lnSpc>
             <a:spcPct val="100000"/>
@@ -6051,7 +6195,7 @@
           <a:p>
             <a:fld id="{3C1253BF-BA3B-4D95-B426-544791755BB6}" type="datetimeFigureOut">
               <a:rPr lang="ko-KR" altLang="en-US" smtClean="0"/>
-              <a:t>2019-05-25</a:t>
+              <a:t>2019-05-30</a:t>
             </a:fld>
             <a:endParaRPr lang="ko-KR" altLang="en-US"/>
           </a:p>
@@ -6219,7 +6363,7 @@
           <a:p>
             <a:fld id="{3C1253BF-BA3B-4D95-B426-544791755BB6}" type="datetimeFigureOut">
               <a:rPr lang="ko-KR" altLang="en-US" smtClean="0"/>
-              <a:t>2019-05-25</a:t>
+              <a:t>2019-05-30</a:t>
             </a:fld>
             <a:endParaRPr lang="ko-KR" altLang="en-US"/>
           </a:p>
@@ -6397,7 +6541,7 @@
           <a:p>
             <a:fld id="{3C1253BF-BA3B-4D95-B426-544791755BB6}" type="datetimeFigureOut">
               <a:rPr lang="ko-KR" altLang="en-US" smtClean="0"/>
-              <a:t>2019-05-25</a:t>
+              <a:t>2019-05-30</a:t>
             </a:fld>
             <a:endParaRPr lang="ko-KR" altLang="en-US"/>
           </a:p>
@@ -6565,7 +6709,7 @@
           <a:p>
             <a:fld id="{3C1253BF-BA3B-4D95-B426-544791755BB6}" type="datetimeFigureOut">
               <a:rPr lang="ko-KR" altLang="en-US" smtClean="0"/>
-              <a:t>2019-05-25</a:t>
+              <a:t>2019-05-30</a:t>
             </a:fld>
             <a:endParaRPr lang="ko-KR" altLang="en-US"/>
           </a:p>
@@ -6810,7 +6954,7 @@
           <a:p>
             <a:fld id="{3C1253BF-BA3B-4D95-B426-544791755BB6}" type="datetimeFigureOut">
               <a:rPr lang="ko-KR" altLang="en-US" smtClean="0"/>
-              <a:t>2019-05-25</a:t>
+              <a:t>2019-05-30</a:t>
             </a:fld>
             <a:endParaRPr lang="ko-KR" altLang="en-US"/>
           </a:p>
@@ -7039,7 +7183,7 @@
           <a:p>
             <a:fld id="{3C1253BF-BA3B-4D95-B426-544791755BB6}" type="datetimeFigureOut">
               <a:rPr lang="ko-KR" altLang="en-US" smtClean="0"/>
-              <a:t>2019-05-25</a:t>
+              <a:t>2019-05-30</a:t>
             </a:fld>
             <a:endParaRPr lang="ko-KR" altLang="en-US"/>
           </a:p>
@@ -7403,7 +7547,7 @@
           <a:p>
             <a:fld id="{3C1253BF-BA3B-4D95-B426-544791755BB6}" type="datetimeFigureOut">
               <a:rPr lang="ko-KR" altLang="en-US" smtClean="0"/>
-              <a:t>2019-05-25</a:t>
+              <a:t>2019-05-30</a:t>
             </a:fld>
             <a:endParaRPr lang="ko-KR" altLang="en-US"/>
           </a:p>
@@ -7520,7 +7664,7 @@
           <a:p>
             <a:fld id="{3C1253BF-BA3B-4D95-B426-544791755BB6}" type="datetimeFigureOut">
               <a:rPr lang="ko-KR" altLang="en-US" smtClean="0"/>
-              <a:t>2019-05-25</a:t>
+              <a:t>2019-05-30</a:t>
             </a:fld>
             <a:endParaRPr lang="ko-KR" altLang="en-US"/>
           </a:p>
@@ -7615,7 +7759,7 @@
           <a:p>
             <a:fld id="{3C1253BF-BA3B-4D95-B426-544791755BB6}" type="datetimeFigureOut">
               <a:rPr lang="ko-KR" altLang="en-US" smtClean="0"/>
-              <a:t>2019-05-25</a:t>
+              <a:t>2019-05-30</a:t>
             </a:fld>
             <a:endParaRPr lang="ko-KR" altLang="en-US"/>
           </a:p>
@@ -7890,7 +8034,7 @@
           <a:p>
             <a:fld id="{3C1253BF-BA3B-4D95-B426-544791755BB6}" type="datetimeFigureOut">
               <a:rPr lang="ko-KR" altLang="en-US" smtClean="0"/>
-              <a:t>2019-05-25</a:t>
+              <a:t>2019-05-30</a:t>
             </a:fld>
             <a:endParaRPr lang="ko-KR" altLang="en-US"/>
           </a:p>
@@ -8142,7 +8286,7 @@
           <a:p>
             <a:fld id="{3C1253BF-BA3B-4D95-B426-544791755BB6}" type="datetimeFigureOut">
               <a:rPr lang="ko-KR" altLang="en-US" smtClean="0"/>
-              <a:t>2019-05-25</a:t>
+              <a:t>2019-05-30</a:t>
             </a:fld>
             <a:endParaRPr lang="ko-KR" altLang="en-US"/>
           </a:p>
@@ -8353,7 +8497,7 @@
           <a:p>
             <a:fld id="{3C1253BF-BA3B-4D95-B426-544791755BB6}" type="datetimeFigureOut">
               <a:rPr lang="ko-KR" altLang="en-US" smtClean="0"/>
-              <a:t>2019-05-25</a:t>
+              <a:t>2019-05-30</a:t>
             </a:fld>
             <a:endParaRPr lang="ko-KR" altLang="en-US"/>
           </a:p>
@@ -8777,7 +8921,7 @@
                 <a16:creationId xmlns:a16="http://schemas.microsoft.com/office/drawing/2014/main" id="{D2C4BFA1-2075-4901-9E24-E41D1FDD51FD}"/>
               </a:ext>
               <a:ext uri="{C183D7F6-B498-43B3-948B-1728B52AA6E4}">
-                <adec:decorative xmlns:adec="http://schemas.microsoft.com/office/drawing/2017/decorative" val="1"/>
+                <adec:decorative xmlns:adec="http://schemas.microsoft.com/office/drawing/2017/decorative" xmlns="" val="1"/>
               </a:ext>
             </a:extLst>
           </p:cNvPr>
@@ -8808,7 +8952,7 @@
                   <a16:creationId xmlns:a16="http://schemas.microsoft.com/office/drawing/2014/main" id="{985A7375-E3AF-4F5C-85AE-17E8832952CA}"/>
                 </a:ext>
                 <a:ext uri="{C183D7F6-B498-43B3-948B-1728B52AA6E4}">
-                  <adec:decorative xmlns:adec="http://schemas.microsoft.com/office/drawing/2017/decorative" val="1"/>
+                  <adec:decorative xmlns:adec="http://schemas.microsoft.com/office/drawing/2017/decorative" xmlns="" val="1"/>
                 </a:ext>
               </a:extLst>
             </p:cNvPr>
@@ -8849,7 +8993,7 @@
                   <a16:creationId xmlns:a16="http://schemas.microsoft.com/office/drawing/2014/main" id="{F0307F65-8304-4FA8-A841-D4D7625411BE}"/>
                 </a:ext>
                 <a:ext uri="{C183D7F6-B498-43B3-948B-1728B52AA6E4}">
-                  <adec:decorative xmlns:adec="http://schemas.microsoft.com/office/drawing/2017/decorative" val="1"/>
+                  <adec:decorative xmlns:adec="http://schemas.microsoft.com/office/drawing/2017/decorative" xmlns="" val="1"/>
                 </a:ext>
               </a:extLst>
             </p:cNvPr>
@@ -8890,7 +9034,7 @@
                   <a16:creationId xmlns:a16="http://schemas.microsoft.com/office/drawing/2014/main" id="{C8B8394C-136F-4E05-A002-D93A5E79CD50}"/>
                 </a:ext>
                 <a:ext uri="{C183D7F6-B498-43B3-948B-1728B52AA6E4}">
-                  <adec:decorative xmlns:adec="http://schemas.microsoft.com/office/drawing/2017/decorative" val="1"/>
+                  <adec:decorative xmlns:adec="http://schemas.microsoft.com/office/drawing/2017/decorative" xmlns="" val="1"/>
                 </a:ext>
               </a:extLst>
             </p:cNvPr>
@@ -8947,11 +9091,11 @@
           <a:lstStyle/>
           <a:p>
             <a:r>
-              <a:rPr lang="en-US" altLang="ko-KR" sz="1800"/>
+              <a:rPr lang="en-US" altLang="ko-KR" sz="1800" dirty="0"/>
               <a:t>20145170 </a:t>
             </a:r>
             <a:r>
-              <a:rPr lang="ko-KR" altLang="en-US" sz="1800"/>
+              <a:rPr lang="ko-KR" altLang="en-US" sz="1800" dirty="0"/>
               <a:t>정재민</a:t>
             </a:r>
           </a:p>
@@ -8965,7 +9109,7 @@
                 <a16:creationId xmlns:a16="http://schemas.microsoft.com/office/drawing/2014/main" id="{053FB2EE-284F-4C87-AB3D-BBF87A9FAB97}"/>
               </a:ext>
               <a:ext uri="{C183D7F6-B498-43B3-948B-1728B52AA6E4}">
-                <adec:decorative xmlns:adec="http://schemas.microsoft.com/office/drawing/2017/decorative" val="1"/>
+                <adec:decorative xmlns:adec="http://schemas.microsoft.com/office/drawing/2017/decorative" xmlns="" val="1"/>
               </a:ext>
             </a:extLst>
           </p:cNvPr>
@@ -9024,18 +9168,18 @@
         </p:nvSpPr>
         <p:spPr>
           <a:xfrm>
-            <a:off x="1524000" y="2776538"/>
-            <a:ext cx="9144000" cy="1381188"/>
+            <a:off x="1524000" y="2709333"/>
+            <a:ext cx="9144000" cy="1448393"/>
           </a:xfrm>
         </p:spPr>
         <p:txBody>
           <a:bodyPr anchor="ctr">
-            <a:normAutofit/>
+            <a:normAutofit fontScale="90000"/>
           </a:bodyPr>
           <a:lstStyle/>
           <a:p>
             <a:r>
-              <a:rPr lang="ko-KR" altLang="en-US" sz="4000">
+              <a:rPr lang="ko-KR" altLang="en-US" sz="4000" dirty="0">
                 <a:solidFill>
                   <a:schemeClr val="bg2"/>
                 </a:solidFill>
@@ -9044,15 +9188,67 @@
               <a:t>지도 빅데이터를 이용한 </a:t>
             </a:r>
             <a:r>
-              <a:rPr lang="en-US" altLang="ko-KR" sz="4000">
+              <a:rPr lang="en-US" altLang="ko-KR" sz="4000" dirty="0" smtClean="0">
                 <a:solidFill>
                   <a:schemeClr val="bg2"/>
                 </a:solidFill>
                 <a:latin typeface="Arial Black" panose="020B0A04020102020204" pitchFamily="34" charset="0"/>
               </a:rPr>
-              <a:t>Image to Image Translation</a:t>
+              <a:t/>
             </a:r>
-            <a:endParaRPr lang="ko-KR" altLang="en-US" sz="4000">
+            <a:br>
+              <a:rPr lang="en-US" altLang="ko-KR" sz="4000" dirty="0" smtClean="0">
+                <a:solidFill>
+                  <a:schemeClr val="bg2"/>
+                </a:solidFill>
+                <a:latin typeface="Arial Black" panose="020B0A04020102020204" pitchFamily="34" charset="0"/>
+              </a:rPr>
+            </a:br>
+            <a:r>
+              <a:rPr lang="en-US" altLang="ko-KR" sz="4000" dirty="0" smtClean="0">
+                <a:solidFill>
+                  <a:schemeClr val="bg2"/>
+                </a:solidFill>
+                <a:latin typeface="Arial Black" panose="020B0A04020102020204" pitchFamily="34" charset="0"/>
+              </a:rPr>
+              <a:t>Image </a:t>
+            </a:r>
+            <a:r>
+              <a:rPr lang="en-US" altLang="ko-KR" sz="4000" dirty="0">
+                <a:solidFill>
+                  <a:schemeClr val="bg2"/>
+                </a:solidFill>
+                <a:latin typeface="Arial Black" panose="020B0A04020102020204" pitchFamily="34" charset="0"/>
+              </a:rPr>
+              <a:t>to Image </a:t>
+            </a:r>
+            <a:r>
+              <a:rPr lang="en-US" altLang="ko-KR" sz="4000" dirty="0" smtClean="0">
+                <a:solidFill>
+                  <a:schemeClr val="bg2"/>
+                </a:solidFill>
+                <a:latin typeface="Arial Black" panose="020B0A04020102020204" pitchFamily="34" charset="0"/>
+              </a:rPr>
+              <a:t>Translation</a:t>
+            </a:r>
+            <a:br>
+              <a:rPr lang="en-US" altLang="ko-KR" sz="4000" dirty="0" smtClean="0">
+                <a:solidFill>
+                  <a:schemeClr val="bg2"/>
+                </a:solidFill>
+                <a:latin typeface="Arial Black" panose="020B0A04020102020204" pitchFamily="34" charset="0"/>
+              </a:rPr>
+            </a:br>
+            <a:r>
+              <a:rPr lang="ko-KR" altLang="en-US" sz="4000" dirty="0" smtClean="0">
+                <a:solidFill>
+                  <a:schemeClr val="bg2"/>
+                </a:solidFill>
+                <a:latin typeface="Arial Black" panose="020B0A04020102020204" pitchFamily="34" charset="0"/>
+              </a:rPr>
+              <a:t>최종 보고서</a:t>
+            </a:r>
+            <a:endParaRPr lang="ko-KR" altLang="en-US" sz="4000" dirty="0">
               <a:solidFill>
                 <a:schemeClr val="bg2"/>
               </a:solidFill>
@@ -9107,7 +9303,7 @@
                 <a16:creationId xmlns:a16="http://schemas.microsoft.com/office/drawing/2014/main" id="{42A5316D-ED2F-4F89-B4B4-8D9240B1A348}"/>
               </a:ext>
               <a:ext uri="{C183D7F6-B498-43B3-948B-1728B52AA6E4}">
-                <adec:decorative xmlns:adec="http://schemas.microsoft.com/office/drawing/2017/decorative" val="1"/>
+                <adec:decorative xmlns:adec="http://schemas.microsoft.com/office/drawing/2017/decorative" xmlns="" val="1"/>
               </a:ext>
             </a:extLst>
           </p:cNvPr>
@@ -9787,7 +9983,7 @@
                 <a16:creationId xmlns:a16="http://schemas.microsoft.com/office/drawing/2014/main" id="{C18DD249-7BAF-43E4-96D2-897DF8277025}"/>
               </a:ext>
               <a:ext uri="{C183D7F6-B498-43B3-948B-1728B52AA6E4}">
-                <adec:decorative xmlns:adec="http://schemas.microsoft.com/office/drawing/2017/decorative" val="1"/>
+                <adec:decorative xmlns:adec="http://schemas.microsoft.com/office/drawing/2017/decorative" xmlns="" val="1"/>
               </a:ext>
             </a:extLst>
           </p:cNvPr>
@@ -9881,7 +10077,7 @@
                 <a16:creationId xmlns:a16="http://schemas.microsoft.com/office/drawing/2014/main" id="{93709A93-4FBF-496D-9228-3D3DBCF5064D}"/>
               </a:ext>
               <a:ext uri="{C183D7F6-B498-43B3-948B-1728B52AA6E4}">
-                <adec:decorative xmlns:adec="http://schemas.microsoft.com/office/drawing/2017/decorative" val="1"/>
+                <adec:decorative xmlns:adec="http://schemas.microsoft.com/office/drawing/2017/decorative" xmlns="" val="1"/>
               </a:ext>
             </a:extLst>
           </p:cNvPr>
@@ -10003,7 +10199,7 @@
                 <a16:creationId xmlns:a16="http://schemas.microsoft.com/office/drawing/2014/main" id="{AC6F8F5A-EAFE-459F-8F54-9D86D539F12E}"/>
               </a:ext>
               <a:ext uri="{C183D7F6-B498-43B3-948B-1728B52AA6E4}">
-                <adec:decorative xmlns:adec="http://schemas.microsoft.com/office/drawing/2017/decorative" val="1"/>
+                <adec:decorative xmlns:adec="http://schemas.microsoft.com/office/drawing/2017/decorative" xmlns="" val="1"/>
               </a:ext>
             </a:extLst>
           </p:cNvPr>
@@ -10125,7 +10321,7 @@
                 <a16:creationId xmlns:a16="http://schemas.microsoft.com/office/drawing/2014/main" id="{C3FD65E3-4E8F-40F8-B00F-C3CA65D8A3BE}"/>
               </a:ext>
               <a:ext uri="{C183D7F6-B498-43B3-948B-1728B52AA6E4}">
-                <adec:decorative xmlns:adec="http://schemas.microsoft.com/office/drawing/2017/decorative" val="1"/>
+                <adec:decorative xmlns:adec="http://schemas.microsoft.com/office/drawing/2017/decorative" xmlns="" val="1"/>
               </a:ext>
             </a:extLst>
           </p:cNvPr>
@@ -10217,7 +10413,7 @@
                 <a16:creationId xmlns:a16="http://schemas.microsoft.com/office/drawing/2014/main" id="{5DFA2231-FFDF-4250-983C-D460855A37B8}"/>
               </a:ext>
               <a:ext uri="{C183D7F6-B498-43B3-948B-1728B52AA6E4}">
-                <adec:decorative xmlns:adec="http://schemas.microsoft.com/office/drawing/2017/decorative" val="1"/>
+                <adec:decorative xmlns:adec="http://schemas.microsoft.com/office/drawing/2017/decorative" xmlns="" val="1"/>
               </a:ext>
             </a:extLst>
           </p:cNvPr>
@@ -10377,7 +10573,7 @@
                 <a16:creationId xmlns:a16="http://schemas.microsoft.com/office/drawing/2014/main" id="{1707FC24-6981-43D9-B525-C7832BA22463}"/>
               </a:ext>
               <a:ext uri="{C183D7F6-B498-43B3-948B-1728B52AA6E4}">
-                <adec:decorative xmlns:adec="http://schemas.microsoft.com/office/drawing/2017/decorative" val="1"/>
+                <adec:decorative xmlns:adec="http://schemas.microsoft.com/office/drawing/2017/decorative" xmlns="" val="1"/>
               </a:ext>
             </a:extLst>
           </p:cNvPr>
@@ -10612,7 +10808,7 @@
                 <a16:creationId xmlns:a16="http://schemas.microsoft.com/office/drawing/2014/main" id="{1707FC24-6981-43D9-B525-C7832BA22463}"/>
               </a:ext>
               <a:ext uri="{C183D7F6-B498-43B3-948B-1728B52AA6E4}">
-                <adec:decorative xmlns:adec="http://schemas.microsoft.com/office/drawing/2017/decorative" val="1"/>
+                <adec:decorative xmlns:adec="http://schemas.microsoft.com/office/drawing/2017/decorative" xmlns="" val="1"/>
               </a:ext>
             </a:extLst>
           </p:cNvPr>
@@ -10801,7 +10997,7 @@
                 <a16:creationId xmlns:a16="http://schemas.microsoft.com/office/drawing/2014/main" id="{1707FC24-6981-43D9-B525-C7832BA22463}"/>
               </a:ext>
               <a:ext uri="{C183D7F6-B498-43B3-948B-1728B52AA6E4}">
-                <adec:decorative xmlns:adec="http://schemas.microsoft.com/office/drawing/2017/decorative" val="1"/>
+                <adec:decorative xmlns:adec="http://schemas.microsoft.com/office/drawing/2017/decorative" xmlns="" val="1"/>
               </a:ext>
             </a:extLst>
           </p:cNvPr>
@@ -10958,6 +11154,14 @@
 <file path=ppt/slides/slide15.xml><?xml version="1.0" encoding="utf-8"?>
 <p:sld xmlns:a="http://schemas.openxmlformats.org/drawingml/2006/main" xmlns:r="http://schemas.openxmlformats.org/officeDocument/2006/relationships" xmlns:p="http://schemas.openxmlformats.org/presentationml/2006/main">
   <p:cSld>
+    <p:bg>
+      <p:bgPr>
+        <a:solidFill>
+          <a:schemeClr val="bg1"/>
+        </a:solidFill>
+        <a:effectLst/>
+      </p:bgPr>
+    </p:bg>
     <p:spTree>
       <p:nvGrpSpPr>
         <p:cNvPr id="1" name=""/>
@@ -10974,6 +11178,71 @@
       </p:grpSpPr>
       <p:sp>
         <p:nvSpPr>
+          <p:cNvPr id="16" name="Rectangle 15">
+            <a:extLst>
+              <a:ext uri="{FF2B5EF4-FFF2-40B4-BE49-F238E27FC236}">
+                <a16:creationId xmlns:a16="http://schemas.microsoft.com/office/drawing/2014/main" id="{823AC064-BC96-4F32-8AE1-B2FD38754823}"/>
+              </a:ext>
+              <a:ext uri="{C183D7F6-B498-43B3-948B-1728B52AA6E4}">
+                <adec:decorative xmlns:adec="http://schemas.microsoft.com/office/drawing/2017/decorative" xmlns="" val="1"/>
+              </a:ext>
+            </a:extLst>
+          </p:cNvPr>
+          <p:cNvSpPr>
+            <a:spLocks noGrp="1" noRot="1" noChangeAspect="1" noMove="1" noResize="1" noEditPoints="1" noAdjustHandles="1" noChangeArrowheads="1" noChangeShapeType="1" noTextEdit="1"/>
+          </p:cNvSpPr>
+          <p:nvPr>
+            <p:extLst>
+              <p:ext uri="{386F3935-93C4-4BCD-93E2-E3B085C9AB24}">
+                <p16:designElem xmlns:p16="http://schemas.microsoft.com/office/powerpoint/2015/main" val="1"/>
+              </p:ext>
+            </p:extLst>
+          </p:nvPr>
+        </p:nvSpPr>
+        <p:spPr bwMode="ltGray">
+          <a:xfrm>
+            <a:off x="396882" y="280374"/>
+            <a:ext cx="11438793" cy="1844256"/>
+          </a:xfrm>
+          <a:prstGeom prst="rect">
+            <a:avLst/>
+          </a:prstGeom>
+          <a:solidFill>
+            <a:srgbClr val="404040"/>
+          </a:solidFill>
+          <a:ln w="127000" cap="sq" cmpd="thinThick">
+            <a:solidFill>
+              <a:srgbClr val="404040"/>
+            </a:solidFill>
+          </a:ln>
+        </p:spPr>
+        <p:style>
+          <a:lnRef idx="2">
+            <a:schemeClr val="accent1">
+              <a:shade val="50000"/>
+            </a:schemeClr>
+          </a:lnRef>
+          <a:fillRef idx="1">
+            <a:schemeClr val="accent1"/>
+          </a:fillRef>
+          <a:effectRef idx="0">
+            <a:schemeClr val="accent1"/>
+          </a:effectRef>
+          <a:fontRef idx="minor">
+            <a:schemeClr val="lt1"/>
+          </a:fontRef>
+        </p:style>
+        <p:txBody>
+          <a:bodyPr rtlCol="0" anchor="ctr"/>
+          <a:lstStyle/>
+          <a:p>
+            <a:pPr algn="ctr"/>
+            <a:endParaRPr lang="en-US"/>
+          </a:p>
+        </p:txBody>
+      </p:sp>
+      <p:sp>
+        <p:nvSpPr>
           <p:cNvPr id="2" name="제목 1">
             <a:extLst>
               <a:ext uri="{FF2B5EF4-FFF2-40B4-BE49-F238E27FC236}">
@@ -10988,43 +11257,221 @@
             <p:ph type="title"/>
           </p:nvPr>
         </p:nvSpPr>
-        <p:spPr/>
+        <p:spPr>
+          <a:xfrm>
+            <a:off x="546351" y="433545"/>
+            <a:ext cx="11139854" cy="930447"/>
+          </a:xfrm>
+        </p:spPr>
         <p:txBody>
-          <a:bodyPr/>
+          <a:bodyPr vert="horz" lIns="91440" tIns="45720" rIns="91440" bIns="45720" rtlCol="0" anchor="b">
+            <a:normAutofit/>
+          </a:bodyPr>
           <a:lstStyle/>
           <a:p>
+            <a:pPr algn="ctr" latinLnBrk="0"/>
             <a:r>
-              <a:rPr lang="ko-KR" altLang="en-US"/>
-              <a:t>결과</a:t>
+              <a:rPr lang="ko-KR" altLang="en-US" sz="5400" dirty="0">
+                <a:solidFill>
+                  <a:srgbClr val="FFFFFF"/>
+                </a:solidFill>
+              </a:rPr>
+              <a:t>결과 </a:t>
             </a:r>
+            <a:r>
+              <a:rPr lang="en-US" altLang="ko-KR" sz="5400" dirty="0">
+                <a:solidFill>
+                  <a:srgbClr val="FFFFFF"/>
+                </a:solidFill>
+              </a:rPr>
+              <a:t>- Discriminator</a:t>
+            </a:r>
+            <a:endParaRPr lang="ko-KR" altLang="en-US" sz="5400" dirty="0">
+              <a:solidFill>
+                <a:srgbClr val="FFFFFF"/>
+              </a:solidFill>
+            </a:endParaRPr>
           </a:p>
         </p:txBody>
       </p:sp>
-      <p:sp>
-        <p:nvSpPr>
-          <p:cNvPr id="3" name="내용 개체 틀 2">
+      <p:cxnSp>
+        <p:nvCxnSpPr>
+          <p:cNvPr id="18" name="Straight Connector 17">
             <a:extLst>
               <a:ext uri="{FF2B5EF4-FFF2-40B4-BE49-F238E27FC236}">
-                <a16:creationId xmlns:a16="http://schemas.microsoft.com/office/drawing/2014/main" id="{378E87A3-2A90-4197-AE6B-4A432B86C55E}"/>
+                <a16:creationId xmlns:a16="http://schemas.microsoft.com/office/drawing/2014/main" id="{7E7C77BC-7138-40B1-A15B-20F57A494629}"/>
+              </a:ext>
+              <a:ext uri="{C183D7F6-B498-43B3-948B-1728B52AA6E4}">
+                <adec:decorative xmlns:adec="http://schemas.microsoft.com/office/drawing/2017/decorative" xmlns="" val="1"/>
               </a:ext>
             </a:extLst>
           </p:cNvPr>
-          <p:cNvSpPr>
-            <a:spLocks noGrp="1"/>
-          </p:cNvSpPr>
+          <p:cNvCxnSpPr>
+            <a:cxnSpLocks noGrp="1" noRot="1" noChangeAspect="1" noMove="1" noResize="1" noEditPoints="1" noAdjustHandles="1" noChangeArrowheads="1" noChangeShapeType="1"/>
+          </p:cNvCxnSpPr>
+          <p:nvPr>
+            <p:extLst>
+              <p:ext uri="{386F3935-93C4-4BCD-93E2-E3B085C9AB24}">
+                <p16:designElem xmlns:p16="http://schemas.microsoft.com/office/powerpoint/2015/main" val="1"/>
+              </p:ext>
+            </p:extLst>
+          </p:nvPr>
+        </p:nvCxnSpPr>
+        <p:spPr>
+          <a:xfrm>
+            <a:off x="2230078" y="1522292"/>
+            <a:ext cx="7772400" cy="0"/>
+          </a:xfrm>
+          <a:prstGeom prst="line">
+            <a:avLst/>
+          </a:prstGeom>
+          <a:ln w="22225">
+            <a:solidFill>
+              <a:srgbClr val="D9D9D9"/>
+            </a:solidFill>
+          </a:ln>
+        </p:spPr>
+        <p:style>
+          <a:lnRef idx="1">
+            <a:schemeClr val="accent1"/>
+          </a:lnRef>
+          <a:fillRef idx="0">
+            <a:schemeClr val="accent1"/>
+          </a:fillRef>
+          <a:effectRef idx="0">
+            <a:schemeClr val="accent1"/>
+          </a:effectRef>
+          <a:fontRef idx="minor">
+            <a:schemeClr val="tx1"/>
+          </a:fontRef>
+        </p:style>
+      </p:cxnSp>
+      <p:pic>
+        <p:nvPicPr>
+          <p:cNvPr id="11" name="그림 10" descr="스크린샷이(가) 표시된 사진&#10;&#10;자동 생성된 설명">
+            <a:extLst>
+              <a:ext uri="{FF2B5EF4-FFF2-40B4-BE49-F238E27FC236}">
+                <a16:creationId xmlns:a16="http://schemas.microsoft.com/office/drawing/2014/main" id="{97115EA0-11CB-4371-AC3C-F6EABE331116}"/>
+              </a:ext>
+            </a:extLst>
+          </p:cNvPr>
+          <p:cNvPicPr>
+            <a:picLocks noChangeAspect="1"/>
+          </p:cNvPicPr>
+          <p:nvPr/>
+        </p:nvPicPr>
+        <p:blipFill>
+          <a:blip r:embed="rId2">
+            <a:extLst>
+              <a:ext uri="{28A0092B-C50C-407E-A947-70E740481C1C}">
+                <a14:useLocalDpi xmlns:a14="http://schemas.microsoft.com/office/drawing/2010/main" val="0"/>
+              </a:ext>
+            </a:extLst>
+          </a:blip>
+          <a:stretch>
+            <a:fillRect/>
+          </a:stretch>
+        </p:blipFill>
+        <p:spPr>
+          <a:xfrm>
+            <a:off x="331567" y="3020738"/>
+            <a:ext cx="5455917" cy="2809796"/>
+          </a:xfrm>
+          <a:prstGeom prst="rect">
+            <a:avLst/>
+          </a:prstGeom>
+        </p:spPr>
+      </p:pic>
+      <p:cxnSp>
+        <p:nvCxnSpPr>
+          <p:cNvPr id="20" name="Straight Connector 19">
+            <a:extLst>
+              <a:ext uri="{FF2B5EF4-FFF2-40B4-BE49-F238E27FC236}">
+                <a16:creationId xmlns:a16="http://schemas.microsoft.com/office/drawing/2014/main" id="{DB146403-F3D6-484B-B2ED-97F9565D0370}"/>
+              </a:ext>
+              <a:ext uri="{C183D7F6-B498-43B3-948B-1728B52AA6E4}">
+                <adec:decorative xmlns:adec="http://schemas.microsoft.com/office/drawing/2017/decorative" xmlns="" val="1"/>
+              </a:ext>
+            </a:extLst>
+          </p:cNvPr>
+          <p:cNvCxnSpPr>
+            <a:cxnSpLocks noGrp="1" noRot="1" noChangeAspect="1" noMove="1" noResize="1" noEditPoints="1" noAdjustHandles="1" noChangeArrowheads="1" noChangeShapeType="1"/>
+          </p:cNvCxnSpPr>
+          <p:nvPr>
+            <p:extLst>
+              <p:ext uri="{386F3935-93C4-4BCD-93E2-E3B085C9AB24}">
+                <p16:designElem xmlns:p16="http://schemas.microsoft.com/office/powerpoint/2015/main" val="1"/>
+              </p:ext>
+            </p:extLst>
+          </p:nvPr>
+        </p:nvCxnSpPr>
+        <p:spPr>
+          <a:xfrm>
+            <a:off x="6116278" y="2596836"/>
+            <a:ext cx="0" cy="3657600"/>
+          </a:xfrm>
+          <a:prstGeom prst="line">
+            <a:avLst/>
+          </a:prstGeom>
+          <a:ln w="101600" cmpd="dbl">
+            <a:solidFill>
+              <a:srgbClr val="595959"/>
+            </a:solidFill>
+          </a:ln>
+        </p:spPr>
+        <p:style>
+          <a:lnRef idx="1">
+            <a:schemeClr val="accent1"/>
+          </a:lnRef>
+          <a:fillRef idx="0">
+            <a:schemeClr val="accent1"/>
+          </a:fillRef>
+          <a:effectRef idx="0">
+            <a:schemeClr val="accent1"/>
+          </a:effectRef>
+          <a:fontRef idx="minor">
+            <a:schemeClr val="tx1"/>
+          </a:fontRef>
+        </p:style>
+      </p:cxnSp>
+      <p:pic>
+        <p:nvPicPr>
+          <p:cNvPr id="9" name="내용 개체 틀 8" descr="스크린샷이(가) 표시된 사진&#10;&#10;자동 생성된 설명">
+            <a:extLst>
+              <a:ext uri="{FF2B5EF4-FFF2-40B4-BE49-F238E27FC236}">
+                <a16:creationId xmlns:a16="http://schemas.microsoft.com/office/drawing/2014/main" id="{A59429E9-94C8-403F-A614-A3DFC71CF22B}"/>
+              </a:ext>
+            </a:extLst>
+          </p:cNvPr>
+          <p:cNvPicPr>
+            <a:picLocks noGrp="1" noChangeAspect="1"/>
+          </p:cNvPicPr>
           <p:nvPr>
             <p:ph idx="1"/>
           </p:nvPr>
-        </p:nvSpPr>
-        <p:spPr/>
-        <p:txBody>
-          <a:bodyPr/>
-          <a:lstStyle/>
-          <a:p>
-            <a:endParaRPr lang="ko-KR" altLang="en-US"/>
-          </a:p>
-        </p:txBody>
-      </p:sp>
+        </p:nvPicPr>
+        <p:blipFill>
+          <a:blip r:embed="rId3">
+            <a:extLst>
+              <a:ext uri="{28A0092B-C50C-407E-A947-70E740481C1C}">
+                <a14:useLocalDpi xmlns:a14="http://schemas.microsoft.com/office/drawing/2010/main" val="0"/>
+              </a:ext>
+            </a:extLst>
+          </a:blip>
+          <a:stretch>
+            <a:fillRect/>
+          </a:stretch>
+        </p:blipFill>
+        <p:spPr>
+          <a:xfrm>
+            <a:off x="6445073" y="3054837"/>
+            <a:ext cx="5455917" cy="2741598"/>
+          </a:xfrm>
+          <a:prstGeom prst="rect">
+            <a:avLst/>
+          </a:prstGeom>
+        </p:spPr>
+      </p:pic>
     </p:spTree>
     <p:extLst>
       <p:ext uri="{BB962C8B-B14F-4D97-AF65-F5344CB8AC3E}">
@@ -11039,6 +11486,887 @@
 </file>
 
 <file path=ppt/slides/slide16.xml><?xml version="1.0" encoding="utf-8"?>
+<p:sld xmlns:a="http://schemas.openxmlformats.org/drawingml/2006/main" xmlns:r="http://schemas.openxmlformats.org/officeDocument/2006/relationships" xmlns:p="http://schemas.openxmlformats.org/presentationml/2006/main">
+  <p:cSld>
+    <p:bg>
+      <p:bgPr>
+        <a:solidFill>
+          <a:schemeClr val="bg1"/>
+        </a:solidFill>
+        <a:effectLst/>
+      </p:bgPr>
+    </p:bg>
+    <p:spTree>
+      <p:nvGrpSpPr>
+        <p:cNvPr id="1" name=""/>
+        <p:cNvGrpSpPr/>
+        <p:nvPr/>
+      </p:nvGrpSpPr>
+      <p:grpSpPr>
+        <a:xfrm>
+          <a:off x="0" y="0"/>
+          <a:ext cx="0" cy="0"/>
+          <a:chOff x="0" y="0"/>
+          <a:chExt cx="0" cy="0"/>
+        </a:xfrm>
+      </p:grpSpPr>
+      <p:sp>
+        <p:nvSpPr>
+          <p:cNvPr id="16" name="Rectangle 15">
+            <a:extLst>
+              <a:ext uri="{FF2B5EF4-FFF2-40B4-BE49-F238E27FC236}">
+                <a16:creationId xmlns:a16="http://schemas.microsoft.com/office/drawing/2014/main" id="{823AC064-BC96-4F32-8AE1-B2FD38754823}"/>
+              </a:ext>
+              <a:ext uri="{C183D7F6-B498-43B3-948B-1728B52AA6E4}">
+                <adec:decorative xmlns:adec="http://schemas.microsoft.com/office/drawing/2017/decorative" xmlns="" val="1"/>
+              </a:ext>
+            </a:extLst>
+          </p:cNvPr>
+          <p:cNvSpPr>
+            <a:spLocks noGrp="1" noRot="1" noChangeAspect="1" noMove="1" noResize="1" noEditPoints="1" noAdjustHandles="1" noChangeArrowheads="1" noChangeShapeType="1" noTextEdit="1"/>
+          </p:cNvSpPr>
+          <p:nvPr>
+            <p:extLst>
+              <p:ext uri="{386F3935-93C4-4BCD-93E2-E3B085C9AB24}">
+                <p16:designElem xmlns:p16="http://schemas.microsoft.com/office/powerpoint/2015/main" val="1"/>
+              </p:ext>
+            </p:extLst>
+          </p:nvPr>
+        </p:nvSpPr>
+        <p:spPr bwMode="ltGray">
+          <a:xfrm>
+            <a:off x="396882" y="280374"/>
+            <a:ext cx="11438793" cy="1844256"/>
+          </a:xfrm>
+          <a:prstGeom prst="rect">
+            <a:avLst/>
+          </a:prstGeom>
+          <a:solidFill>
+            <a:srgbClr val="404040"/>
+          </a:solidFill>
+          <a:ln w="127000" cap="sq" cmpd="thinThick">
+            <a:solidFill>
+              <a:srgbClr val="404040"/>
+            </a:solidFill>
+          </a:ln>
+        </p:spPr>
+        <p:style>
+          <a:lnRef idx="2">
+            <a:schemeClr val="accent1">
+              <a:shade val="50000"/>
+            </a:schemeClr>
+          </a:lnRef>
+          <a:fillRef idx="1">
+            <a:schemeClr val="accent1"/>
+          </a:fillRef>
+          <a:effectRef idx="0">
+            <a:schemeClr val="accent1"/>
+          </a:effectRef>
+          <a:fontRef idx="minor">
+            <a:schemeClr val="lt1"/>
+          </a:fontRef>
+        </p:style>
+        <p:txBody>
+          <a:bodyPr rtlCol="0" anchor="ctr"/>
+          <a:lstStyle/>
+          <a:p>
+            <a:pPr algn="ctr"/>
+            <a:endParaRPr lang="en-US"/>
+          </a:p>
+        </p:txBody>
+      </p:sp>
+      <p:sp>
+        <p:nvSpPr>
+          <p:cNvPr id="2" name="제목 1">
+            <a:extLst>
+              <a:ext uri="{FF2B5EF4-FFF2-40B4-BE49-F238E27FC236}">
+                <a16:creationId xmlns:a16="http://schemas.microsoft.com/office/drawing/2014/main" id="{B84A7685-7539-433F-B2A4-509D14974BCF}"/>
+              </a:ext>
+            </a:extLst>
+          </p:cNvPr>
+          <p:cNvSpPr>
+            <a:spLocks noGrp="1"/>
+          </p:cNvSpPr>
+          <p:nvPr>
+            <p:ph type="title"/>
+          </p:nvPr>
+        </p:nvSpPr>
+        <p:spPr>
+          <a:xfrm>
+            <a:off x="546351" y="433545"/>
+            <a:ext cx="11139854" cy="930447"/>
+          </a:xfrm>
+        </p:spPr>
+        <p:txBody>
+          <a:bodyPr vert="horz" lIns="91440" tIns="45720" rIns="91440" bIns="45720" rtlCol="0" anchor="b">
+            <a:normAutofit/>
+          </a:bodyPr>
+          <a:lstStyle/>
+          <a:p>
+            <a:pPr algn="ctr" latinLnBrk="0"/>
+            <a:r>
+              <a:rPr lang="ko-KR" altLang="en-US" sz="5400" dirty="0">
+                <a:solidFill>
+                  <a:srgbClr val="FFFFFF"/>
+                </a:solidFill>
+              </a:rPr>
+              <a:t>결과 </a:t>
+            </a:r>
+            <a:r>
+              <a:rPr lang="en-US" altLang="ko-KR" sz="5400" dirty="0">
+                <a:solidFill>
+                  <a:srgbClr val="FFFFFF"/>
+                </a:solidFill>
+              </a:rPr>
+              <a:t>- Generator</a:t>
+            </a:r>
+          </a:p>
+        </p:txBody>
+      </p:sp>
+      <p:cxnSp>
+        <p:nvCxnSpPr>
+          <p:cNvPr id="18" name="Straight Connector 17">
+            <a:extLst>
+              <a:ext uri="{FF2B5EF4-FFF2-40B4-BE49-F238E27FC236}">
+                <a16:creationId xmlns:a16="http://schemas.microsoft.com/office/drawing/2014/main" id="{7E7C77BC-7138-40B1-A15B-20F57A494629}"/>
+              </a:ext>
+              <a:ext uri="{C183D7F6-B498-43B3-948B-1728B52AA6E4}">
+                <adec:decorative xmlns:adec="http://schemas.microsoft.com/office/drawing/2017/decorative" xmlns="" val="1"/>
+              </a:ext>
+            </a:extLst>
+          </p:cNvPr>
+          <p:cNvCxnSpPr>
+            <a:cxnSpLocks noGrp="1" noRot="1" noChangeAspect="1" noMove="1" noResize="1" noEditPoints="1" noAdjustHandles="1" noChangeArrowheads="1" noChangeShapeType="1"/>
+          </p:cNvCxnSpPr>
+          <p:nvPr>
+            <p:extLst>
+              <p:ext uri="{386F3935-93C4-4BCD-93E2-E3B085C9AB24}">
+                <p16:designElem xmlns:p16="http://schemas.microsoft.com/office/powerpoint/2015/main" val="1"/>
+              </p:ext>
+            </p:extLst>
+          </p:nvPr>
+        </p:nvCxnSpPr>
+        <p:spPr>
+          <a:xfrm>
+            <a:off x="2230078" y="1522292"/>
+            <a:ext cx="7772400" cy="0"/>
+          </a:xfrm>
+          <a:prstGeom prst="line">
+            <a:avLst/>
+          </a:prstGeom>
+          <a:ln w="22225">
+            <a:solidFill>
+              <a:srgbClr val="D9D9D9"/>
+            </a:solidFill>
+          </a:ln>
+        </p:spPr>
+        <p:style>
+          <a:lnRef idx="1">
+            <a:schemeClr val="accent1"/>
+          </a:lnRef>
+          <a:fillRef idx="0">
+            <a:schemeClr val="accent1"/>
+          </a:fillRef>
+          <a:effectRef idx="0">
+            <a:schemeClr val="accent1"/>
+          </a:effectRef>
+          <a:fontRef idx="minor">
+            <a:schemeClr val="tx1"/>
+          </a:fontRef>
+        </p:style>
+      </p:cxnSp>
+      <p:cxnSp>
+        <p:nvCxnSpPr>
+          <p:cNvPr id="20" name="Straight Connector 19">
+            <a:extLst>
+              <a:ext uri="{FF2B5EF4-FFF2-40B4-BE49-F238E27FC236}">
+                <a16:creationId xmlns:a16="http://schemas.microsoft.com/office/drawing/2014/main" id="{DB146403-F3D6-484B-B2ED-97F9565D0370}"/>
+              </a:ext>
+              <a:ext uri="{C183D7F6-B498-43B3-948B-1728B52AA6E4}">
+                <adec:decorative xmlns:adec="http://schemas.microsoft.com/office/drawing/2017/decorative" xmlns="" val="1"/>
+              </a:ext>
+            </a:extLst>
+          </p:cNvPr>
+          <p:cNvCxnSpPr>
+            <a:cxnSpLocks noGrp="1" noRot="1" noChangeAspect="1" noMove="1" noResize="1" noEditPoints="1" noAdjustHandles="1" noChangeArrowheads="1" noChangeShapeType="1"/>
+          </p:cNvCxnSpPr>
+          <p:nvPr>
+            <p:extLst>
+              <p:ext uri="{386F3935-93C4-4BCD-93E2-E3B085C9AB24}">
+                <p16:designElem xmlns:p16="http://schemas.microsoft.com/office/powerpoint/2015/main" val="1"/>
+              </p:ext>
+            </p:extLst>
+          </p:nvPr>
+        </p:nvCxnSpPr>
+        <p:spPr>
+          <a:xfrm>
+            <a:off x="6116278" y="2596836"/>
+            <a:ext cx="0" cy="3657600"/>
+          </a:xfrm>
+          <a:prstGeom prst="line">
+            <a:avLst/>
+          </a:prstGeom>
+          <a:ln w="101600" cmpd="dbl">
+            <a:solidFill>
+              <a:srgbClr val="595959"/>
+            </a:solidFill>
+          </a:ln>
+        </p:spPr>
+        <p:style>
+          <a:lnRef idx="1">
+            <a:schemeClr val="accent1"/>
+          </a:lnRef>
+          <a:fillRef idx="0">
+            <a:schemeClr val="accent1"/>
+          </a:fillRef>
+          <a:effectRef idx="0">
+            <a:schemeClr val="accent1"/>
+          </a:effectRef>
+          <a:fontRef idx="minor">
+            <a:schemeClr val="tx1"/>
+          </a:fontRef>
+        </p:style>
+      </p:cxnSp>
+      <p:pic>
+        <p:nvPicPr>
+          <p:cNvPr id="4" name="그림 3" descr="스크린샷이(가) 표시된 사진&#10;&#10;자동 생성된 설명">
+            <a:extLst>
+              <a:ext uri="{FF2B5EF4-FFF2-40B4-BE49-F238E27FC236}">
+                <a16:creationId xmlns:a16="http://schemas.microsoft.com/office/drawing/2014/main" id="{3BDC9318-BBC0-4E0B-9692-00F1083C63F2}"/>
+              </a:ext>
+            </a:extLst>
+          </p:cNvPr>
+          <p:cNvPicPr>
+            <a:picLocks noChangeAspect="1"/>
+          </p:cNvPicPr>
+          <p:nvPr/>
+        </p:nvPicPr>
+        <p:blipFill>
+          <a:blip r:embed="rId2">
+            <a:extLst>
+              <a:ext uri="{28A0092B-C50C-407E-A947-70E740481C1C}">
+                <a14:useLocalDpi xmlns:a14="http://schemas.microsoft.com/office/drawing/2010/main" val="0"/>
+              </a:ext>
+            </a:extLst>
+          </a:blip>
+          <a:stretch>
+            <a:fillRect/>
+          </a:stretch>
+        </p:blipFill>
+        <p:spPr>
+          <a:xfrm>
+            <a:off x="546351" y="2828924"/>
+            <a:ext cx="5263895" cy="3216221"/>
+          </a:xfrm>
+          <a:prstGeom prst="rect">
+            <a:avLst/>
+          </a:prstGeom>
+        </p:spPr>
+      </p:pic>
+      <p:pic>
+        <p:nvPicPr>
+          <p:cNvPr id="6" name="그림 5" descr="스크린샷이(가) 표시된 사진&#10;&#10;자동 생성된 설명">
+            <a:extLst>
+              <a:ext uri="{FF2B5EF4-FFF2-40B4-BE49-F238E27FC236}">
+                <a16:creationId xmlns:a16="http://schemas.microsoft.com/office/drawing/2014/main" id="{D77D1D7D-B7F3-4A6C-B4C5-5454E0EC94CF}"/>
+              </a:ext>
+            </a:extLst>
+          </p:cNvPr>
+          <p:cNvPicPr>
+            <a:picLocks noChangeAspect="1"/>
+          </p:cNvPicPr>
+          <p:nvPr/>
+        </p:nvPicPr>
+        <p:blipFill>
+          <a:blip r:embed="rId3">
+            <a:extLst>
+              <a:ext uri="{28A0092B-C50C-407E-A947-70E740481C1C}">
+                <a14:useLocalDpi xmlns:a14="http://schemas.microsoft.com/office/drawing/2010/main" val="0"/>
+              </a:ext>
+            </a:extLst>
+          </a:blip>
+          <a:stretch>
+            <a:fillRect/>
+          </a:stretch>
+        </p:blipFill>
+        <p:spPr>
+          <a:xfrm>
+            <a:off x="6422310" y="2828924"/>
+            <a:ext cx="4998159" cy="3216221"/>
+          </a:xfrm>
+          <a:prstGeom prst="rect">
+            <a:avLst/>
+          </a:prstGeom>
+        </p:spPr>
+      </p:pic>
+    </p:spTree>
+    <p:extLst>
+      <p:ext uri="{BB962C8B-B14F-4D97-AF65-F5344CB8AC3E}">
+        <p14:creationId xmlns:p14="http://schemas.microsoft.com/office/powerpoint/2010/main" val="624626791"/>
+      </p:ext>
+    </p:extLst>
+  </p:cSld>
+  <p:clrMapOvr>
+    <a:masterClrMapping/>
+  </p:clrMapOvr>
+</p:sld>
+</file>
+
+<file path=ppt/slides/slide17.xml><?xml version="1.0" encoding="utf-8"?>
+<p:sld xmlns:a="http://schemas.openxmlformats.org/drawingml/2006/main" xmlns:r="http://schemas.openxmlformats.org/officeDocument/2006/relationships" xmlns:p="http://schemas.openxmlformats.org/presentationml/2006/main">
+  <p:cSld>
+    <p:bg>
+      <p:bgPr>
+        <a:solidFill>
+          <a:schemeClr val="bg1"/>
+        </a:solidFill>
+        <a:effectLst/>
+      </p:bgPr>
+    </p:bg>
+    <p:spTree>
+      <p:nvGrpSpPr>
+        <p:cNvPr id="1" name=""/>
+        <p:cNvGrpSpPr/>
+        <p:nvPr/>
+      </p:nvGrpSpPr>
+      <p:grpSpPr>
+        <a:xfrm>
+          <a:off x="0" y="0"/>
+          <a:ext cx="0" cy="0"/>
+          <a:chOff x="0" y="0"/>
+          <a:chExt cx="0" cy="0"/>
+        </a:xfrm>
+      </p:grpSpPr>
+      <p:sp>
+        <p:nvSpPr>
+          <p:cNvPr id="10" name="Rectangle 9">
+            <a:extLst>
+              <a:ext uri="{FF2B5EF4-FFF2-40B4-BE49-F238E27FC236}">
+                <a16:creationId xmlns:a16="http://schemas.microsoft.com/office/drawing/2014/main" id="{823AC064-BC96-4F32-8AE1-B2FD38754823}"/>
+              </a:ext>
+              <a:ext uri="{C183D7F6-B498-43B3-948B-1728B52AA6E4}">
+                <adec:decorative xmlns:adec="http://schemas.microsoft.com/office/drawing/2017/decorative" xmlns="" val="1"/>
+              </a:ext>
+            </a:extLst>
+          </p:cNvPr>
+          <p:cNvSpPr>
+            <a:spLocks noGrp="1" noRot="1" noChangeAspect="1" noMove="1" noResize="1" noEditPoints="1" noAdjustHandles="1" noChangeArrowheads="1" noChangeShapeType="1" noTextEdit="1"/>
+          </p:cNvSpPr>
+          <p:nvPr>
+            <p:extLst>
+              <p:ext uri="{386F3935-93C4-4BCD-93E2-E3B085C9AB24}">
+                <p16:designElem xmlns:p16="http://schemas.microsoft.com/office/powerpoint/2015/main" val="1"/>
+              </p:ext>
+            </p:extLst>
+          </p:nvPr>
+        </p:nvSpPr>
+        <p:spPr bwMode="ltGray">
+          <a:xfrm>
+            <a:off x="378068" y="343486"/>
+            <a:ext cx="11438793" cy="1844256"/>
+          </a:xfrm>
+          <a:prstGeom prst="rect">
+            <a:avLst/>
+          </a:prstGeom>
+          <a:solidFill>
+            <a:srgbClr val="404040"/>
+          </a:solidFill>
+          <a:ln w="127000" cap="sq" cmpd="thinThick">
+            <a:solidFill>
+              <a:srgbClr val="404040"/>
+            </a:solidFill>
+          </a:ln>
+        </p:spPr>
+        <p:style>
+          <a:lnRef idx="2">
+            <a:schemeClr val="accent1">
+              <a:shade val="50000"/>
+            </a:schemeClr>
+          </a:lnRef>
+          <a:fillRef idx="1">
+            <a:schemeClr val="accent1"/>
+          </a:fillRef>
+          <a:effectRef idx="0">
+            <a:schemeClr val="accent1"/>
+          </a:effectRef>
+          <a:fontRef idx="minor">
+            <a:schemeClr val="lt1"/>
+          </a:fontRef>
+        </p:style>
+        <p:txBody>
+          <a:bodyPr rtlCol="0" anchor="ctr"/>
+          <a:lstStyle/>
+          <a:p>
+            <a:pPr marL="0" marR="0" lvl="0" indent="0" algn="ctr" defTabSz="914400" rtl="0" eaLnBrk="1" fontAlgn="auto" latinLnBrk="0" hangingPunct="1">
+              <a:lnSpc>
+                <a:spcPct val="100000"/>
+              </a:lnSpc>
+              <a:spcBef>
+                <a:spcPts val="0"/>
+              </a:spcBef>
+              <a:spcAft>
+                <a:spcPts val="0"/>
+              </a:spcAft>
+              <a:buClrTx/>
+              <a:buSzTx/>
+              <a:buFontTx/>
+              <a:buNone/>
+              <a:tabLst/>
+              <a:defRPr/>
+            </a:pPr>
+            <a:endParaRPr kumimoji="0" lang="en-US" sz="1800" b="0" i="0" u="none" strike="noStrike" kern="1200" cap="none" spc="0" normalizeH="0" baseline="0" noProof="0">
+              <a:ln>
+                <a:noFill/>
+              </a:ln>
+              <a:solidFill>
+                <a:prstClr val="white"/>
+              </a:solidFill>
+              <a:effectLst/>
+              <a:uLnTx/>
+              <a:uFillTx/>
+              <a:latin typeface="Calibri" panose="020F0502020204030204"/>
+              <a:ea typeface="+mn-ea"/>
+              <a:cs typeface="+mn-cs"/>
+            </a:endParaRPr>
+          </a:p>
+        </p:txBody>
+      </p:sp>
+      <p:sp>
+        <p:nvSpPr>
+          <p:cNvPr id="2" name="제목 1">
+            <a:extLst>
+              <a:ext uri="{FF2B5EF4-FFF2-40B4-BE49-F238E27FC236}">
+                <a16:creationId xmlns:a16="http://schemas.microsoft.com/office/drawing/2014/main" id="{7E995138-20BD-4FB6-BAD6-148F30C78993}"/>
+              </a:ext>
+            </a:extLst>
+          </p:cNvPr>
+          <p:cNvSpPr>
+            <a:spLocks noGrp="1"/>
+          </p:cNvSpPr>
+          <p:nvPr>
+            <p:ph type="title"/>
+          </p:nvPr>
+        </p:nvSpPr>
+        <p:spPr>
+          <a:xfrm>
+            <a:off x="526073" y="466578"/>
+            <a:ext cx="11139854" cy="930447"/>
+          </a:xfrm>
+        </p:spPr>
+        <p:txBody>
+          <a:bodyPr vert="horz" lIns="91440" tIns="45720" rIns="91440" bIns="45720" rtlCol="0" anchor="b">
+            <a:normAutofit/>
+          </a:bodyPr>
+          <a:lstStyle/>
+          <a:p>
+            <a:pPr algn="ctr" latinLnBrk="0"/>
+            <a:r>
+              <a:rPr lang="ko-KR" altLang="en-US" sz="5400" kern="1200">
+                <a:solidFill>
+                  <a:srgbClr val="FFFFFF"/>
+                </a:solidFill>
+                <a:latin typeface="+mj-lt"/>
+                <a:ea typeface="+mj-ea"/>
+                <a:cs typeface="+mj-cs"/>
+              </a:rPr>
+              <a:t>결과 </a:t>
+            </a:r>
+            <a:r>
+              <a:rPr lang="en-US" altLang="ko-KR" sz="5400" kern="1200">
+                <a:solidFill>
+                  <a:srgbClr val="FFFFFF"/>
+                </a:solidFill>
+                <a:latin typeface="+mj-lt"/>
+                <a:ea typeface="+mj-ea"/>
+                <a:cs typeface="+mj-cs"/>
+              </a:rPr>
+              <a:t>- Total</a:t>
+            </a:r>
+          </a:p>
+        </p:txBody>
+      </p:sp>
+      <p:cxnSp>
+        <p:nvCxnSpPr>
+          <p:cNvPr id="12" name="Straight Connector 11">
+            <a:extLst>
+              <a:ext uri="{FF2B5EF4-FFF2-40B4-BE49-F238E27FC236}">
+                <a16:creationId xmlns:a16="http://schemas.microsoft.com/office/drawing/2014/main" id="{7E7C77BC-7138-40B1-A15B-20F57A494629}"/>
+              </a:ext>
+              <a:ext uri="{C183D7F6-B498-43B3-948B-1728B52AA6E4}">
+                <adec:decorative xmlns:adec="http://schemas.microsoft.com/office/drawing/2017/decorative" xmlns="" val="1"/>
+              </a:ext>
+            </a:extLst>
+          </p:cNvPr>
+          <p:cNvCxnSpPr>
+            <a:cxnSpLocks noGrp="1" noRot="1" noChangeAspect="1" noMove="1" noResize="1" noEditPoints="1" noAdjustHandles="1" noChangeArrowheads="1" noChangeShapeType="1"/>
+          </p:cNvCxnSpPr>
+          <p:nvPr>
+            <p:extLst>
+              <p:ext uri="{386F3935-93C4-4BCD-93E2-E3B085C9AB24}">
+                <p16:designElem xmlns:p16="http://schemas.microsoft.com/office/powerpoint/2015/main" val="1"/>
+              </p:ext>
+            </p:extLst>
+          </p:nvPr>
+        </p:nvCxnSpPr>
+        <p:spPr>
+          <a:xfrm>
+            <a:off x="2209800" y="1448631"/>
+            <a:ext cx="7772400" cy="0"/>
+          </a:xfrm>
+          <a:prstGeom prst="line">
+            <a:avLst/>
+          </a:prstGeom>
+          <a:ln w="22225">
+            <a:solidFill>
+              <a:srgbClr val="D9D9D9"/>
+            </a:solidFill>
+          </a:ln>
+        </p:spPr>
+        <p:style>
+          <a:lnRef idx="1">
+            <a:schemeClr val="accent1"/>
+          </a:lnRef>
+          <a:fillRef idx="0">
+            <a:schemeClr val="accent1"/>
+          </a:fillRef>
+          <a:effectRef idx="0">
+            <a:schemeClr val="accent1"/>
+          </a:effectRef>
+          <a:fontRef idx="minor">
+            <a:schemeClr val="tx1"/>
+          </a:fontRef>
+        </p:style>
+      </p:cxnSp>
+      <p:pic>
+        <p:nvPicPr>
+          <p:cNvPr id="5" name="내용 개체 틀 4" descr="스크린샷이(가) 표시된 사진&#10;&#10;자동 생성된 설명">
+            <a:extLst>
+              <a:ext uri="{FF2B5EF4-FFF2-40B4-BE49-F238E27FC236}">
+                <a16:creationId xmlns:a16="http://schemas.microsoft.com/office/drawing/2014/main" id="{E7DC8367-5AD5-4E33-9A3C-4E2279C2CB6C}"/>
+              </a:ext>
+            </a:extLst>
+          </p:cNvPr>
+          <p:cNvPicPr>
+            <a:picLocks noGrp="1" noChangeAspect="1"/>
+          </p:cNvPicPr>
+          <p:nvPr>
+            <p:ph idx="1"/>
+          </p:nvPr>
+        </p:nvPicPr>
+        <p:blipFill>
+          <a:blip r:embed="rId2">
+            <a:extLst>
+              <a:ext uri="{28A0092B-C50C-407E-A947-70E740481C1C}">
+                <a14:useLocalDpi xmlns:a14="http://schemas.microsoft.com/office/drawing/2010/main" val="0"/>
+              </a:ext>
+            </a:extLst>
+          </a:blip>
+          <a:stretch>
+            <a:fillRect/>
+          </a:stretch>
+        </p:blipFill>
+        <p:spPr>
+          <a:xfrm>
+            <a:off x="2499132" y="2509911"/>
+            <a:ext cx="7138637" cy="3997637"/>
+          </a:xfrm>
+          <a:prstGeom prst="rect">
+            <a:avLst/>
+          </a:prstGeom>
+        </p:spPr>
+      </p:pic>
+    </p:spTree>
+    <p:extLst>
+      <p:ext uri="{BB962C8B-B14F-4D97-AF65-F5344CB8AC3E}">
+        <p14:creationId xmlns:p14="http://schemas.microsoft.com/office/powerpoint/2010/main" val="2095416266"/>
+      </p:ext>
+    </p:extLst>
+  </p:cSld>
+  <p:clrMapOvr>
+    <a:masterClrMapping/>
+  </p:clrMapOvr>
+</p:sld>
+</file>
+
+<file path=ppt/slides/slide18.xml><?xml version="1.0" encoding="utf-8"?>
+<p:sld xmlns:a="http://schemas.openxmlformats.org/drawingml/2006/main" xmlns:r="http://schemas.openxmlformats.org/officeDocument/2006/relationships" xmlns:p="http://schemas.openxmlformats.org/presentationml/2006/main">
+  <p:cSld>
+    <p:bg>
+      <p:bgPr>
+        <a:solidFill>
+          <a:schemeClr val="bg1"/>
+        </a:solidFill>
+        <a:effectLst/>
+      </p:bgPr>
+    </p:bg>
+    <p:spTree>
+      <p:nvGrpSpPr>
+        <p:cNvPr id="1" name=""/>
+        <p:cNvGrpSpPr/>
+        <p:nvPr/>
+      </p:nvGrpSpPr>
+      <p:grpSpPr>
+        <a:xfrm>
+          <a:off x="0" y="0"/>
+          <a:ext cx="0" cy="0"/>
+          <a:chOff x="0" y="0"/>
+          <a:chExt cx="0" cy="0"/>
+        </a:xfrm>
+      </p:grpSpPr>
+      <p:pic>
+        <p:nvPicPr>
+          <p:cNvPr id="9" name="그림 8">
+            <a:extLst>
+              <a:ext uri="{FF2B5EF4-FFF2-40B4-BE49-F238E27FC236}">
+                <a16:creationId xmlns:a16="http://schemas.microsoft.com/office/drawing/2014/main" id="{3226D0DD-194C-4304-90DF-7AA467697B13}"/>
+              </a:ext>
+            </a:extLst>
+          </p:cNvPr>
+          <p:cNvPicPr>
+            <a:picLocks noChangeAspect="1"/>
+          </p:cNvPicPr>
+          <p:nvPr/>
+        </p:nvPicPr>
+        <p:blipFill>
+          <a:blip r:embed="rId2" cstate="print">
+            <a:extLst>
+              <a:ext uri="{28A0092B-C50C-407E-A947-70E740481C1C}">
+                <a14:useLocalDpi xmlns:a14="http://schemas.microsoft.com/office/drawing/2010/main" val="0"/>
+              </a:ext>
+            </a:extLst>
+          </a:blip>
+          <a:stretch>
+            <a:fillRect/>
+          </a:stretch>
+        </p:blipFill>
+        <p:spPr>
+          <a:xfrm>
+            <a:off x="457202" y="892470"/>
+            <a:ext cx="5426764" cy="1763698"/>
+          </a:xfrm>
+          <a:prstGeom prst="rect">
+            <a:avLst/>
+          </a:prstGeom>
+        </p:spPr>
+      </p:pic>
+      <p:pic>
+        <p:nvPicPr>
+          <p:cNvPr id="11" name="그림 10">
+            <a:extLst>
+              <a:ext uri="{FF2B5EF4-FFF2-40B4-BE49-F238E27FC236}">
+                <a16:creationId xmlns:a16="http://schemas.microsoft.com/office/drawing/2014/main" id="{26B58FB6-3AB0-4A92-9454-93C4342E5711}"/>
+              </a:ext>
+            </a:extLst>
+          </p:cNvPr>
+          <p:cNvPicPr>
+            <a:picLocks noChangeAspect="1"/>
+          </p:cNvPicPr>
+          <p:nvPr/>
+        </p:nvPicPr>
+        <p:blipFill>
+          <a:blip r:embed="rId3" cstate="print">
+            <a:extLst>
+              <a:ext uri="{28A0092B-C50C-407E-A947-70E740481C1C}">
+                <a14:useLocalDpi xmlns:a14="http://schemas.microsoft.com/office/drawing/2010/main" val="0"/>
+              </a:ext>
+            </a:extLst>
+          </a:blip>
+          <a:stretch>
+            <a:fillRect/>
+          </a:stretch>
+        </p:blipFill>
+        <p:spPr>
+          <a:xfrm>
+            <a:off x="457201" y="4129527"/>
+            <a:ext cx="5426764" cy="1763698"/>
+          </a:xfrm>
+          <a:prstGeom prst="rect">
+            <a:avLst/>
+          </a:prstGeom>
+        </p:spPr>
+      </p:pic>
+      <p:sp>
+        <p:nvSpPr>
+          <p:cNvPr id="55" name="Rectangle 46">
+            <a:extLst>
+              <a:ext uri="{FF2B5EF4-FFF2-40B4-BE49-F238E27FC236}">
+                <a16:creationId xmlns:a16="http://schemas.microsoft.com/office/drawing/2014/main" id="{799448F2-0E5B-42DA-B2D1-11A14E947BD4}"/>
+              </a:ext>
+              <a:ext uri="{C183D7F6-B498-43B3-948B-1728B52AA6E4}">
+                <adec:decorative xmlns:adec="http://schemas.microsoft.com/office/drawing/2017/decorative" xmlns="" val="1"/>
+              </a:ext>
+            </a:extLst>
+          </p:cNvPr>
+          <p:cNvSpPr>
+            <a:spLocks noGrp="1" noRot="1" noChangeAspect="1" noMove="1" noResize="1" noEditPoints="1" noAdjustHandles="1" noChangeArrowheads="1" noChangeShapeType="1" noTextEdit="1"/>
+          </p:cNvSpPr>
+          <p:nvPr>
+            <p:extLst>
+              <p:ext uri="{386F3935-93C4-4BCD-93E2-E3B085C9AB24}">
+                <p16:designElem xmlns:p16="http://schemas.microsoft.com/office/powerpoint/2015/main" val="1"/>
+              </p:ext>
+            </p:extLst>
+          </p:nvPr>
+        </p:nvSpPr>
+        <p:spPr>
+          <a:xfrm>
+            <a:off x="6050280" y="0"/>
+            <a:ext cx="91440" cy="6858000"/>
+          </a:xfrm>
+          <a:prstGeom prst="rect">
+            <a:avLst/>
+          </a:prstGeom>
+          <a:solidFill>
+            <a:schemeClr val="tx1">
+              <a:lumMod val="75000"/>
+              <a:lumOff val="25000"/>
+            </a:schemeClr>
+          </a:solidFill>
+          <a:ln>
+            <a:noFill/>
+          </a:ln>
+        </p:spPr>
+        <p:style>
+          <a:lnRef idx="2">
+            <a:schemeClr val="accent1">
+              <a:shade val="50000"/>
+            </a:schemeClr>
+          </a:lnRef>
+          <a:fillRef idx="1">
+            <a:schemeClr val="accent1"/>
+          </a:fillRef>
+          <a:effectRef idx="0">
+            <a:schemeClr val="accent1"/>
+          </a:effectRef>
+          <a:fontRef idx="minor">
+            <a:schemeClr val="lt1"/>
+          </a:fontRef>
+        </p:style>
+        <p:txBody>
+          <a:bodyPr rtlCol="0" anchor="ctr"/>
+          <a:lstStyle/>
+          <a:p>
+            <a:pPr algn="ctr"/>
+            <a:endParaRPr lang="en-US"/>
+          </a:p>
+        </p:txBody>
+      </p:sp>
+      <p:sp>
+        <p:nvSpPr>
+          <p:cNvPr id="56" name="Rectangle 48">
+            <a:extLst>
+              <a:ext uri="{FF2B5EF4-FFF2-40B4-BE49-F238E27FC236}">
+                <a16:creationId xmlns:a16="http://schemas.microsoft.com/office/drawing/2014/main" id="{4E8A7552-20E1-4F34-ADAB-C1DB6634D47E}"/>
+              </a:ext>
+              <a:ext uri="{C183D7F6-B498-43B3-948B-1728B52AA6E4}">
+                <adec:decorative xmlns:adec="http://schemas.microsoft.com/office/drawing/2017/decorative" xmlns="" val="1"/>
+              </a:ext>
+            </a:extLst>
+          </p:cNvPr>
+          <p:cNvSpPr>
+            <a:spLocks noGrp="1" noRot="1" noChangeAspect="1" noMove="1" noResize="1" noEditPoints="1" noAdjustHandles="1" noChangeArrowheads="1" noChangeShapeType="1" noTextEdit="1"/>
+          </p:cNvSpPr>
+          <p:nvPr>
+            <p:extLst>
+              <p:ext uri="{386F3935-93C4-4BCD-93E2-E3B085C9AB24}">
+                <p16:designElem xmlns:p16="http://schemas.microsoft.com/office/powerpoint/2015/main" val="1"/>
+              </p:ext>
+            </p:extLst>
+          </p:nvPr>
+        </p:nvSpPr>
+        <p:spPr>
+          <a:xfrm>
+            <a:off x="0" y="3383280"/>
+            <a:ext cx="6126480" cy="91440"/>
+          </a:xfrm>
+          <a:prstGeom prst="rect">
+            <a:avLst/>
+          </a:prstGeom>
+          <a:solidFill>
+            <a:schemeClr val="tx1">
+              <a:lumMod val="75000"/>
+              <a:lumOff val="25000"/>
+            </a:schemeClr>
+          </a:solidFill>
+          <a:ln>
+            <a:noFill/>
+          </a:ln>
+        </p:spPr>
+        <p:style>
+          <a:lnRef idx="2">
+            <a:schemeClr val="accent1">
+              <a:shade val="50000"/>
+            </a:schemeClr>
+          </a:lnRef>
+          <a:fillRef idx="1">
+            <a:schemeClr val="accent1"/>
+          </a:fillRef>
+          <a:effectRef idx="0">
+            <a:schemeClr val="accent1"/>
+          </a:effectRef>
+          <a:fontRef idx="minor">
+            <a:schemeClr val="lt1"/>
+          </a:fontRef>
+        </p:style>
+        <p:txBody>
+          <a:bodyPr rtlCol="0" anchor="ctr"/>
+          <a:lstStyle/>
+          <a:p>
+            <a:pPr algn="ctr"/>
+            <a:endParaRPr lang="en-US"/>
+          </a:p>
+        </p:txBody>
+      </p:sp>
+      <p:pic>
+        <p:nvPicPr>
+          <p:cNvPr id="37" name="내용 개체 틀 4" descr="텍스트이(가) 표시된 사진&#10;&#10;자동 생성된 설명">
+            <a:extLst>
+              <a:ext uri="{FF2B5EF4-FFF2-40B4-BE49-F238E27FC236}">
+                <a16:creationId xmlns:a16="http://schemas.microsoft.com/office/drawing/2014/main" id="{E85EFA90-EAFE-435F-8F75-58393F867B6C}"/>
+              </a:ext>
+            </a:extLst>
+          </p:cNvPr>
+          <p:cNvPicPr>
+            <a:picLocks noChangeAspect="1"/>
+          </p:cNvPicPr>
+          <p:nvPr/>
+        </p:nvPicPr>
+        <p:blipFill>
+          <a:blip r:embed="rId4" cstate="print">
+            <a:extLst>
+              <a:ext uri="{28A0092B-C50C-407E-A947-70E740481C1C}">
+                <a14:useLocalDpi xmlns:a14="http://schemas.microsoft.com/office/drawing/2010/main" val="0"/>
+              </a:ext>
+            </a:extLst>
+          </a:blip>
+          <a:stretch>
+            <a:fillRect/>
+          </a:stretch>
+        </p:blipFill>
+        <p:spPr>
+          <a:xfrm>
+            <a:off x="6308034" y="2474846"/>
+            <a:ext cx="5426764" cy="1763698"/>
+          </a:xfrm>
+          <a:prstGeom prst="rect">
+            <a:avLst/>
+          </a:prstGeom>
+        </p:spPr>
+      </p:pic>
+    </p:spTree>
+    <p:extLst>
+      <p:ext uri="{BB962C8B-B14F-4D97-AF65-F5344CB8AC3E}">
+        <p14:creationId xmlns:p14="http://schemas.microsoft.com/office/powerpoint/2010/main" val="4171681046"/>
+      </p:ext>
+    </p:extLst>
+  </p:cSld>
+  <p:clrMapOvr>
+    <a:masterClrMapping/>
+  </p:clrMapOvr>
+</p:sld>
+</file>
+
+<file path=ppt/slides/slide19.xml><?xml version="1.0" encoding="utf-8"?>
 <p:sld xmlns:a="http://schemas.openxmlformats.org/drawingml/2006/main" xmlns:r="http://schemas.openxmlformats.org/officeDocument/2006/relationships" xmlns:p="http://schemas.openxmlformats.org/presentationml/2006/main">
   <p:cSld>
     <p:bg>
@@ -11074,7 +12402,7 @@
                 <a16:creationId xmlns:a16="http://schemas.microsoft.com/office/drawing/2014/main" id="{48A740BC-A0AA-45E0-B899-2AE9C6FE11CA}"/>
               </a:ext>
               <a:ext uri="{C183D7F6-B498-43B3-948B-1728B52AA6E4}">
-                <adec:decorative xmlns:adec="http://schemas.microsoft.com/office/drawing/2017/decorative" val="1"/>
+                <adec:decorative xmlns:adec="http://schemas.microsoft.com/office/drawing/2017/decorative" xmlns="" val="1"/>
               </a:ext>
             </a:extLst>
           </p:cNvPr>
@@ -11271,7 +12599,7 @@
                 <a16:creationId xmlns:a16="http://schemas.microsoft.com/office/drawing/2014/main" id="{B874EF51-C858-4BB9-97C3-D17755787127}"/>
               </a:ext>
               <a:ext uri="{C183D7F6-B498-43B3-948B-1728B52AA6E4}">
-                <adec:decorative xmlns:adec="http://schemas.microsoft.com/office/drawing/2017/decorative" val="1"/>
+                <adec:decorative xmlns:adec="http://schemas.microsoft.com/office/drawing/2017/decorative" xmlns="" val="1"/>
               </a:ext>
             </a:extLst>
           </p:cNvPr>
@@ -11439,7 +12767,7 @@
                 <a16:creationId xmlns:a16="http://schemas.microsoft.com/office/drawing/2014/main" id="{3B0DF90E-6BAD-4E82-8FDF-717C9A357378}"/>
               </a:ext>
               <a:ext uri="{C183D7F6-B498-43B3-948B-1728B52AA6E4}">
-                <adec:decorative xmlns:adec="http://schemas.microsoft.com/office/drawing/2017/decorative" val="1"/>
+                <adec:decorative xmlns:adec="http://schemas.microsoft.com/office/drawing/2017/decorative" xmlns="" val="1"/>
               </a:ext>
             </a:extLst>
           </p:cNvPr>
@@ -11502,7 +12830,7 @@
                 <a16:creationId xmlns:a16="http://schemas.microsoft.com/office/drawing/2014/main" id="{13DCC859-0434-4BB8-B6C5-09C88AE698FB}"/>
               </a:ext>
               <a:ext uri="{C183D7F6-B498-43B3-948B-1728B52AA6E4}">
-                <adec:decorative xmlns:adec="http://schemas.microsoft.com/office/drawing/2017/decorative" val="1"/>
+                <adec:decorative xmlns:adec="http://schemas.microsoft.com/office/drawing/2017/decorative" xmlns="" val="1"/>
               </a:ext>
             </a:extLst>
           </p:cNvPr>
@@ -11610,7 +12938,7 @@
                 <a16:creationId xmlns:a16="http://schemas.microsoft.com/office/drawing/2014/main" id="{08E7ACFB-B791-4C23-8B17-013FEDC09A89}"/>
               </a:ext>
               <a:ext uri="{C183D7F6-B498-43B3-948B-1728B52AA6E4}">
-                <adec:decorative xmlns:adec="http://schemas.microsoft.com/office/drawing/2017/decorative" val="1"/>
+                <adec:decorative xmlns:adec="http://schemas.microsoft.com/office/drawing/2017/decorative" xmlns="" val="1"/>
               </a:ext>
             </a:extLst>
           </p:cNvPr>
@@ -11819,7 +13147,7 @@
                 <a16:creationId xmlns:a16="http://schemas.microsoft.com/office/drawing/2014/main" id="{46C2E80F-49A6-4372-B103-219D417A55ED}"/>
               </a:ext>
               <a:ext uri="{C183D7F6-B498-43B3-948B-1728B52AA6E4}">
-                <adec:decorative xmlns:adec="http://schemas.microsoft.com/office/drawing/2017/decorative" val="1"/>
+                <adec:decorative xmlns:adec="http://schemas.microsoft.com/office/drawing/2017/decorative" xmlns="" val="1"/>
               </a:ext>
             </a:extLst>
           </p:cNvPr>
@@ -12535,7 +13863,7 @@
                 <a16:creationId xmlns:a16="http://schemas.microsoft.com/office/drawing/2014/main" id="{42A5316D-ED2F-4F89-B4B4-8D9240B1A348}"/>
               </a:ext>
               <a:ext uri="{C183D7F6-B498-43B3-948B-1728B52AA6E4}">
-                <adec:decorative xmlns:adec="http://schemas.microsoft.com/office/drawing/2017/decorative" val="1"/>
+                <adec:decorative xmlns:adec="http://schemas.microsoft.com/office/drawing/2017/decorative" xmlns="" val="1"/>
               </a:ext>
             </a:extLst>
           </p:cNvPr>
@@ -12813,7 +14141,7 @@
                 <a:hlinkClick r:id="rId3">
                   <a:extLst>
                     <a:ext uri="{A12FA001-AC4F-418D-AE19-62706E023703}">
-                      <ahyp:hlinkClr xmlns:ahyp="http://schemas.microsoft.com/office/drawing/2018/hyperlinkcolor" val="tx"/>
+                      <ahyp:hlinkClr xmlns:ahyp="http://schemas.microsoft.com/office/drawing/2018/hyperlinkcolor" xmlns="" val="tx"/>
                     </a:ext>
                   </a:extLst>
                 </a:hlinkClick>
@@ -12825,7 +14153,7 @@
                 <a:hlinkClick r:id="rId3">
                   <a:extLst>
                     <a:ext uri="{A12FA001-AC4F-418D-AE19-62706E023703}">
-                      <ahyp:hlinkClr xmlns:ahyp="http://schemas.microsoft.com/office/drawing/2018/hyperlinkcolor" val="tx"/>
+                      <ahyp:hlinkClr xmlns:ahyp="http://schemas.microsoft.com/office/drawing/2018/hyperlinkcolor" xmlns="" val="tx"/>
                     </a:ext>
                   </a:extLst>
                 </a:hlinkClick>
@@ -12882,7 +14210,7 @@
                 <a16:creationId xmlns:a16="http://schemas.microsoft.com/office/drawing/2014/main" id="{42A5316D-ED2F-4F89-B4B4-8D9240B1A348}"/>
               </a:ext>
               <a:ext uri="{C183D7F6-B498-43B3-948B-1728B52AA6E4}">
-                <adec:decorative xmlns:adec="http://schemas.microsoft.com/office/drawing/2017/decorative" val="1"/>
+                <adec:decorative xmlns:adec="http://schemas.microsoft.com/office/drawing/2017/decorative" xmlns="" val="1"/>
               </a:ext>
             </a:extLst>
           </p:cNvPr>
@@ -13226,7 +14554,7 @@
                 <a16:creationId xmlns:a16="http://schemas.microsoft.com/office/drawing/2014/main" id="{42A5316D-ED2F-4F89-B4B4-8D9240B1A348}"/>
               </a:ext>
               <a:ext uri="{C183D7F6-B498-43B3-948B-1728B52AA6E4}">
-                <adec:decorative xmlns:adec="http://schemas.microsoft.com/office/drawing/2017/decorative" val="1"/>
+                <adec:decorative xmlns:adec="http://schemas.microsoft.com/office/drawing/2017/decorative" xmlns="" val="1"/>
               </a:ext>
             </a:extLst>
           </p:cNvPr>
@@ -13519,7 +14847,7 @@
                 <a:hlinkClick r:id="rId3">
                   <a:extLst>
                     <a:ext uri="{A12FA001-AC4F-418D-AE19-62706E023703}">
-                      <ahyp:hlinkClr xmlns:ahyp="http://schemas.microsoft.com/office/drawing/2018/hyperlinkcolor" val="tx"/>
+                      <ahyp:hlinkClr xmlns:ahyp="http://schemas.microsoft.com/office/drawing/2018/hyperlinkcolor" xmlns="" val="tx"/>
                     </a:ext>
                   </a:extLst>
                 </a:hlinkClick>
@@ -13531,7 +14859,7 @@
                 <a:hlinkClick r:id="rId3">
                   <a:extLst>
                     <a:ext uri="{A12FA001-AC4F-418D-AE19-62706E023703}">
-                      <ahyp:hlinkClr xmlns:ahyp="http://schemas.microsoft.com/office/drawing/2018/hyperlinkcolor" val="tx"/>
+                      <ahyp:hlinkClr xmlns:ahyp="http://schemas.microsoft.com/office/drawing/2018/hyperlinkcolor" xmlns="" val="tx"/>
                     </a:ext>
                   </a:extLst>
                 </a:hlinkClick>
@@ -13591,7 +14919,7 @@
                 <a16:creationId xmlns:a16="http://schemas.microsoft.com/office/drawing/2014/main" id="{42A5316D-ED2F-4F89-B4B4-8D9240B1A348}"/>
               </a:ext>
               <a:ext uri="{C183D7F6-B498-43B3-948B-1728B52AA6E4}">
-                <adec:decorative xmlns:adec="http://schemas.microsoft.com/office/drawing/2017/decorative" val="1"/>
+                <adec:decorative xmlns:adec="http://schemas.microsoft.com/office/drawing/2017/decorative" xmlns="" val="1"/>
               </a:ext>
             </a:extLst>
           </p:cNvPr>
@@ -13823,7 +15151,7 @@
                 <a:hlinkClick r:id="rId4">
                   <a:extLst>
                     <a:ext uri="{A12FA001-AC4F-418D-AE19-62706E023703}">
-                      <ahyp:hlinkClr xmlns:ahyp="http://schemas.microsoft.com/office/drawing/2018/hyperlinkcolor" val="tx"/>
+                      <ahyp:hlinkClr xmlns:ahyp="http://schemas.microsoft.com/office/drawing/2018/hyperlinkcolor" xmlns="" val="tx"/>
                     </a:ext>
                   </a:extLst>
                 </a:hlinkClick>
@@ -13835,7 +15163,7 @@
                 <a:hlinkClick r:id="rId4">
                   <a:extLst>
                     <a:ext uri="{A12FA001-AC4F-418D-AE19-62706E023703}">
-                      <ahyp:hlinkClr xmlns:ahyp="http://schemas.microsoft.com/office/drawing/2018/hyperlinkcolor" val="tx"/>
+                      <ahyp:hlinkClr xmlns:ahyp="http://schemas.microsoft.com/office/drawing/2018/hyperlinkcolor" xmlns="" val="tx"/>
                     </a:ext>
                   </a:extLst>
                 </a:hlinkClick>
@@ -13964,7 +15292,7 @@
                 <a16:creationId xmlns:a16="http://schemas.microsoft.com/office/drawing/2014/main" id="{42A5316D-ED2F-4F89-B4B4-8D9240B1A348}"/>
               </a:ext>
               <a:ext uri="{C183D7F6-B498-43B3-948B-1728B52AA6E4}">
-                <adec:decorative xmlns:adec="http://schemas.microsoft.com/office/drawing/2017/decorative" val="1"/>
+                <adec:decorative xmlns:adec="http://schemas.microsoft.com/office/drawing/2017/decorative" xmlns="" val="1"/>
               </a:ext>
             </a:extLst>
           </p:cNvPr>
